--- a/Presentation.pptx
+++ b/Presentation.pptx
@@ -6,14 +6,14 @@
   </p:sldMasterIdLst>
   <p:sldIdLst>
     <p:sldId id="256" r:id="rId2"/>
-    <p:sldId id="257" r:id="rId3"/>
-    <p:sldId id="260" r:id="rId4"/>
-    <p:sldId id="261" r:id="rId5"/>
-    <p:sldId id="265" r:id="rId6"/>
-    <p:sldId id="266" r:id="rId7"/>
-    <p:sldId id="263" r:id="rId8"/>
-    <p:sldId id="262" r:id="rId9"/>
-    <p:sldId id="259" r:id="rId10"/>
+    <p:sldId id="260" r:id="rId3"/>
+    <p:sldId id="263" r:id="rId4"/>
+    <p:sldId id="257" r:id="rId5"/>
+    <p:sldId id="261" r:id="rId6"/>
+    <p:sldId id="265" r:id="rId7"/>
+    <p:sldId id="266" r:id="rId8"/>
+    <p:sldId id="259" r:id="rId9"/>
+    <p:sldId id="262" r:id="rId10"/>
     <p:sldId id="258" r:id="rId11"/>
     <p:sldId id="264" r:id="rId12"/>
   </p:sldIdLst>
@@ -7702,213 +7702,6 @@
       </p:grpSpPr>
       <p:sp>
         <p:nvSpPr>
-          <p:cNvPr id="3" name="CasellaDiTesto 2">
-            <a:extLst>
-              <a:ext uri="{FF2B5EF4-FFF2-40B4-BE49-F238E27FC236}">
-                <a16:creationId xmlns:a16="http://schemas.microsoft.com/office/drawing/2014/main" id="{69AFDD4B-8396-7156-A0D6-22BD0BA73C08}"/>
-              </a:ext>
-            </a:extLst>
-          </p:cNvPr>
-          <p:cNvSpPr txBox="1"/>
-          <p:nvPr/>
-        </p:nvSpPr>
-        <p:spPr>
-          <a:xfrm>
-            <a:off x="5249944" y="302885"/>
-            <a:ext cx="5850730" cy="1015663"/>
-          </a:xfrm>
-          <a:prstGeom prst="rect">
-            <a:avLst/>
-          </a:prstGeom>
-          <a:noFill/>
-        </p:spPr>
-        <p:txBody>
-          <a:bodyPr wrap="square">
-            <a:spAutoFit/>
-          </a:bodyPr>
-          <a:lstStyle/>
-          <a:p>
-            <a:r>
-              <a:rPr lang="en-GB" sz="6000" b="1" dirty="0">
-                <a:ln w="22225">
-                  <a:solidFill>
-                    <a:schemeClr val="accent6">
-                      <a:lumMod val="75000"/>
-                    </a:schemeClr>
-                  </a:solidFill>
-                  <a:prstDash val="solid"/>
-                </a:ln>
-                <a:solidFill>
-                  <a:srgbClr val="00B0F0"/>
-                </a:solidFill>
-              </a:rPr>
-              <a:t>Iris Recognition</a:t>
-            </a:r>
-          </a:p>
-        </p:txBody>
-      </p:sp>
-      <p:sp>
-        <p:nvSpPr>
-          <p:cNvPr id="5" name="CasellaDiTesto 4">
-            <a:extLst>
-              <a:ext uri="{FF2B5EF4-FFF2-40B4-BE49-F238E27FC236}">
-                <a16:creationId xmlns:a16="http://schemas.microsoft.com/office/drawing/2014/main" id="{F121A778-FDA6-9F65-4DDB-2AB32D5E8177}"/>
-              </a:ext>
-            </a:extLst>
-          </p:cNvPr>
-          <p:cNvSpPr txBox="1"/>
-          <p:nvPr/>
-        </p:nvSpPr>
-        <p:spPr>
-          <a:xfrm>
-            <a:off x="5064556" y="1572574"/>
-            <a:ext cx="6221506" cy="4832092"/>
-          </a:xfrm>
-          <a:prstGeom prst="rect">
-            <a:avLst/>
-          </a:prstGeom>
-          <a:solidFill>
-            <a:schemeClr val="bg1"/>
-          </a:solidFill>
-          <a:effectLst>
-            <a:innerShdw blurRad="152400" dist="25400">
-              <a:schemeClr val="accent6">
-                <a:alpha val="70000"/>
-              </a:schemeClr>
-            </a:innerShdw>
-            <a:softEdge rad="0"/>
-          </a:effectLst>
-        </p:spPr>
-        <p:txBody>
-          <a:bodyPr wrap="square">
-            <a:spAutoFit/>
-          </a:bodyPr>
-          <a:lstStyle/>
-          <a:p>
-            <a:pPr algn="just"/>
-            <a:r>
-              <a:rPr lang="en-GB" sz="2200" dirty="0">
-                <a:latin typeface="Times New Roman" panose="02020603050405020304" pitchFamily="18" charset="0"/>
-                <a:cs typeface="Times New Roman" panose="02020603050405020304" pitchFamily="18" charset="0"/>
-              </a:rPr>
-              <a:t>Iris recognition is a cutting-edge biometric technology that uses the unique and complex patterns of the human iris to identify individuals. </a:t>
-            </a:r>
-          </a:p>
-          <a:p>
-            <a:pPr algn="just"/>
-            <a:endParaRPr lang="en-GB" sz="2200" dirty="0">
-              <a:latin typeface="Times New Roman" panose="02020603050405020304" pitchFamily="18" charset="0"/>
-              <a:cs typeface="Times New Roman" panose="02020603050405020304" pitchFamily="18" charset="0"/>
-            </a:endParaRPr>
-          </a:p>
-          <a:p>
-            <a:pPr algn="just"/>
-            <a:r>
-              <a:rPr lang="en-GB" sz="2200" dirty="0">
-                <a:latin typeface="Times New Roman" panose="02020603050405020304" pitchFamily="18" charset="0"/>
-                <a:cs typeface="Times New Roman" panose="02020603050405020304" pitchFamily="18" charset="0"/>
-              </a:rPr>
-              <a:t>Iris recognition focuses on capturing and analysing the unique patterns of the iris to establish a person's identity, offering a non-intrusive and efficient means of biometric authentication.</a:t>
-            </a:r>
-          </a:p>
-          <a:p>
-            <a:pPr algn="just"/>
-            <a:endParaRPr lang="en-GB" sz="2200" dirty="0">
-              <a:latin typeface="Times New Roman" panose="02020603050405020304" pitchFamily="18" charset="0"/>
-              <a:cs typeface="Times New Roman" panose="02020603050405020304" pitchFamily="18" charset="0"/>
-            </a:endParaRPr>
-          </a:p>
-          <a:p>
-            <a:pPr algn="just"/>
-            <a:r>
-              <a:rPr lang="en-GB" sz="2200" dirty="0">
-                <a:latin typeface="Times New Roman" panose="02020603050405020304" pitchFamily="18" charset="0"/>
-                <a:cs typeface="Times New Roman" panose="02020603050405020304" pitchFamily="18" charset="0"/>
-              </a:rPr>
-              <a:t>The </a:t>
-            </a:r>
-            <a:r>
-              <a:rPr lang="en-GB" sz="2200" dirty="0" err="1">
-                <a:latin typeface="Times New Roman" panose="02020603050405020304" pitchFamily="18" charset="0"/>
-                <a:cs typeface="Times New Roman" panose="02020603050405020304" pitchFamily="18" charset="0"/>
-              </a:rPr>
-              <a:t>Daugman</a:t>
-            </a:r>
-            <a:r>
-              <a:rPr lang="en-GB" sz="2200" dirty="0">
-                <a:latin typeface="Times New Roman" panose="02020603050405020304" pitchFamily="18" charset="0"/>
-                <a:cs typeface="Times New Roman" panose="02020603050405020304" pitchFamily="18" charset="0"/>
-              </a:rPr>
-              <a:t> method, introduced in the 1990s, involves normalization using Rubber Sheet Model. This method has proven to be highly accurate and robust, capable of handling variations in lighting conditions and other environmental factors.</a:t>
-            </a:r>
-          </a:p>
-        </p:txBody>
-      </p:sp>
-      <p:pic>
-        <p:nvPicPr>
-          <p:cNvPr id="13" name="Immagine 12">
-            <a:extLst>
-              <a:ext uri="{FF2B5EF4-FFF2-40B4-BE49-F238E27FC236}">
-                <a16:creationId xmlns:a16="http://schemas.microsoft.com/office/drawing/2014/main" id="{AA8792E9-A03B-E69E-7EC8-E81FD1AF53F7}"/>
-              </a:ext>
-            </a:extLst>
-          </p:cNvPr>
-          <p:cNvPicPr>
-            <a:picLocks noChangeAspect="1"/>
-          </p:cNvPicPr>
-          <p:nvPr/>
-        </p:nvPicPr>
-        <p:blipFill>
-          <a:blip r:embed="rId2"/>
-          <a:stretch>
-            <a:fillRect/>
-          </a:stretch>
-        </p:blipFill>
-        <p:spPr>
-          <a:xfrm>
-            <a:off x="0" y="0"/>
-            <a:ext cx="4325420" cy="6859139"/>
-          </a:xfrm>
-          <a:prstGeom prst="rect">
-            <a:avLst/>
-          </a:prstGeom>
-        </p:spPr>
-      </p:pic>
-    </p:spTree>
-    <p:extLst>
-      <p:ext uri="{BB962C8B-B14F-4D97-AF65-F5344CB8AC3E}">
-        <p14:creationId xmlns:p14="http://schemas.microsoft.com/office/powerpoint/2010/main" val="3335495054"/>
-      </p:ext>
-    </p:extLst>
-  </p:cSld>
-  <p:clrMapOvr>
-    <a:masterClrMapping/>
-  </p:clrMapOvr>
-  <p:transition spd="slow">
-    <p:push dir="u"/>
-  </p:transition>
-</p:sld>
-</file>
-
-<file path=ppt/slides/slide3.xml><?xml version="1.0" encoding="utf-8"?>
-<p:sld xmlns:a="http://schemas.openxmlformats.org/drawingml/2006/main" xmlns:r="http://schemas.openxmlformats.org/officeDocument/2006/relationships" xmlns:p="http://schemas.openxmlformats.org/presentationml/2006/main">
-  <p:cSld>
-    <p:spTree>
-      <p:nvGrpSpPr>
-        <p:cNvPr id="1" name=""/>
-        <p:cNvGrpSpPr/>
-        <p:nvPr/>
-      </p:nvGrpSpPr>
-      <p:grpSpPr>
-        <a:xfrm>
-          <a:off x="0" y="0"/>
-          <a:ext cx="0" cy="0"/>
-          <a:chOff x="0" y="0"/>
-          <a:chExt cx="0" cy="0"/>
-        </a:xfrm>
-      </p:grpSpPr>
-      <p:sp>
-        <p:nvSpPr>
           <p:cNvPr id="5" name="CasellaDiTesto 4">
             <a:extLst>
               <a:ext uri="{FF2B5EF4-FFF2-40B4-BE49-F238E27FC236}">
@@ -8490,1751 +8283,7 @@
 </p:sld>
 </file>
 
-<file path=ppt/slides/slide4.xml><?xml version="1.0" encoding="utf-8"?>
-<p:sld xmlns:a="http://schemas.openxmlformats.org/drawingml/2006/main" xmlns:r="http://schemas.openxmlformats.org/officeDocument/2006/relationships" xmlns:p="http://schemas.openxmlformats.org/presentationml/2006/main">
-  <p:cSld>
-    <p:spTree>
-      <p:nvGrpSpPr>
-        <p:cNvPr id="1" name=""/>
-        <p:cNvGrpSpPr/>
-        <p:nvPr/>
-      </p:nvGrpSpPr>
-      <p:grpSpPr>
-        <a:xfrm>
-          <a:off x="0" y="0"/>
-          <a:ext cx="0" cy="0"/>
-          <a:chOff x="0" y="0"/>
-          <a:chExt cx="0" cy="0"/>
-        </a:xfrm>
-      </p:grpSpPr>
-      <p:pic>
-        <p:nvPicPr>
-          <p:cNvPr id="12" name="Picture 6">
-            <a:extLst>
-              <a:ext uri="{FF2B5EF4-FFF2-40B4-BE49-F238E27FC236}">
-                <a16:creationId xmlns:a16="http://schemas.microsoft.com/office/drawing/2014/main" id="{FB63FD6A-633F-7A82-7DF4-79746A4DE836}"/>
-              </a:ext>
-            </a:extLst>
-          </p:cNvPr>
-          <p:cNvPicPr>
-            <a:picLocks noChangeAspect="1"/>
-          </p:cNvPicPr>
-          <p:nvPr/>
-        </p:nvPicPr>
-        <p:blipFill rotWithShape="1">
-          <a:blip r:embed="rId2">
-            <a:extLst>
-              <a:ext uri="{28A0092B-C50C-407E-A947-70E740481C1C}">
-                <a14:useLocalDpi xmlns:a14="http://schemas.microsoft.com/office/drawing/2010/main" val="0"/>
-              </a:ext>
-            </a:extLst>
-          </a:blip>
-          <a:srcRect l="330" t="23413" r="-1" b="209"/>
-          <a:stretch/>
-        </p:blipFill>
-        <p:spPr bwMode="auto">
-          <a:xfrm>
-            <a:off x="4915788" y="5084088"/>
-            <a:ext cx="2401200" cy="604051"/>
-          </a:xfrm>
-          <a:prstGeom prst="rect">
-            <a:avLst/>
-          </a:prstGeom>
-          <a:ln>
-            <a:noFill/>
-          </a:ln>
-          <a:effectLst>
-            <a:outerShdw blurRad="292100" dist="139700" dir="2700000" algn="tl" rotWithShape="0">
-              <a:srgbClr val="333333">
-                <a:alpha val="65000"/>
-              </a:srgbClr>
-            </a:outerShdw>
-          </a:effectLst>
-          <a:extLst>
-            <a:ext uri="{53640926-AAD7-44D8-BBD7-CCE9431645EC}">
-              <a14:shadowObscured xmlns:a14="http://schemas.microsoft.com/office/drawing/2010/main"/>
-            </a:ext>
-          </a:extLst>
-        </p:spPr>
-      </p:pic>
-      <p:pic>
-        <p:nvPicPr>
-          <p:cNvPr id="15" name="Immagine 14">
-            <a:extLst>
-              <a:ext uri="{FF2B5EF4-FFF2-40B4-BE49-F238E27FC236}">
-                <a16:creationId xmlns:a16="http://schemas.microsoft.com/office/drawing/2014/main" id="{8F510EBF-B235-5ED8-B3C3-551E941C2376}"/>
-              </a:ext>
-            </a:extLst>
-          </p:cNvPr>
-          <p:cNvPicPr>
-            <a:picLocks noChangeAspect="1"/>
-          </p:cNvPicPr>
-          <p:nvPr/>
-        </p:nvPicPr>
-        <p:blipFill>
-          <a:blip r:embed="rId3"/>
-          <a:stretch>
-            <a:fillRect/>
-          </a:stretch>
-        </p:blipFill>
-        <p:spPr>
-          <a:xfrm>
-            <a:off x="7658558" y="2995803"/>
-            <a:ext cx="2579406" cy="1485381"/>
-          </a:xfrm>
-          <a:prstGeom prst="rect">
-            <a:avLst/>
-          </a:prstGeom>
-        </p:spPr>
-      </p:pic>
-      <p:pic>
-        <p:nvPicPr>
-          <p:cNvPr id="8" name="Immagine 7">
-            <a:extLst>
-              <a:ext uri="{FF2B5EF4-FFF2-40B4-BE49-F238E27FC236}">
-                <a16:creationId xmlns:a16="http://schemas.microsoft.com/office/drawing/2014/main" id="{714A63C0-60A8-95B8-0172-5167869630BC}"/>
-              </a:ext>
-            </a:extLst>
-          </p:cNvPr>
-          <p:cNvPicPr>
-            <a:picLocks noChangeAspect="1"/>
-          </p:cNvPicPr>
-          <p:nvPr/>
-        </p:nvPicPr>
-        <p:blipFill rotWithShape="1">
-          <a:blip r:embed="rId4">
-            <a:alphaModFix/>
-          </a:blip>
-          <a:srcRect l="1779" t="14283" r="4486" b="51814"/>
-          <a:stretch/>
-        </p:blipFill>
-        <p:spPr bwMode="auto">
-          <a:xfrm>
-            <a:off x="173847" y="1279789"/>
-            <a:ext cx="11844300" cy="1121093"/>
-          </a:xfrm>
-          <a:prstGeom prst="roundRect">
-            <a:avLst>
-              <a:gd name="adj" fmla="val 8594"/>
-            </a:avLst>
-          </a:prstGeom>
-          <a:solidFill>
-            <a:srgbClr val="FFFFFF">
-              <a:shade val="85000"/>
-            </a:srgbClr>
-          </a:solidFill>
-          <a:ln>
-            <a:noFill/>
-          </a:ln>
-          <a:effectLst>
-            <a:reflection blurRad="12700" stA="38000" endPos="28000" dist="5000" dir="5400000" sy="-100000" algn="bl" rotWithShape="0"/>
-          </a:effectLst>
-          <a:extLst>
-            <a:ext uri="{53640926-AAD7-44D8-BBD7-CCE9431645EC}">
-              <a14:shadowObscured xmlns:a14="http://schemas.microsoft.com/office/drawing/2010/main"/>
-            </a:ext>
-          </a:extLst>
-        </p:spPr>
-      </p:pic>
-      <p:pic>
-        <p:nvPicPr>
-          <p:cNvPr id="4" name="Picture 2">
-            <a:extLst>
-              <a:ext uri="{FF2B5EF4-FFF2-40B4-BE49-F238E27FC236}">
-                <a16:creationId xmlns:a16="http://schemas.microsoft.com/office/drawing/2014/main" id="{5ECFF7BB-CCA5-85C0-D75C-CEFA557C5D3C}"/>
-              </a:ext>
-            </a:extLst>
-          </p:cNvPr>
-          <p:cNvPicPr>
-            <a:picLocks noChangeAspect="1"/>
-          </p:cNvPicPr>
-          <p:nvPr/>
-        </p:nvPicPr>
-        <p:blipFill rotWithShape="1">
-          <a:blip r:embed="rId5" cstate="print">
-            <a:extLst>
-              <a:ext uri="{28A0092B-C50C-407E-A947-70E740481C1C}">
-                <a14:useLocalDpi xmlns:a14="http://schemas.microsoft.com/office/drawing/2010/main" val="0"/>
-              </a:ext>
-            </a:extLst>
-          </a:blip>
-          <a:srcRect l="1568" t="9163" r="1" b="1363"/>
-          <a:stretch/>
-        </p:blipFill>
-        <p:spPr bwMode="auto">
-          <a:xfrm>
-            <a:off x="278956" y="2458361"/>
-            <a:ext cx="1761370" cy="1529430"/>
-          </a:xfrm>
-          <a:prstGeom prst="rect">
-            <a:avLst/>
-          </a:prstGeom>
-          <a:ln>
-            <a:noFill/>
-          </a:ln>
-          <a:effectLst>
-            <a:outerShdw blurRad="292100" dist="139700" dir="2700000" algn="tl" rotWithShape="0">
-              <a:srgbClr val="333333">
-                <a:alpha val="65000"/>
-              </a:srgbClr>
-            </a:outerShdw>
-          </a:effectLst>
-          <a:extLst>
-            <a:ext uri="{53640926-AAD7-44D8-BBD7-CCE9431645EC}">
-              <a14:shadowObscured xmlns:a14="http://schemas.microsoft.com/office/drawing/2010/main"/>
-            </a:ext>
-          </a:extLst>
-        </p:spPr>
-      </p:pic>
-      <p:pic>
-        <p:nvPicPr>
-          <p:cNvPr id="6" name="Picture 1">
-            <a:extLst>
-              <a:ext uri="{FF2B5EF4-FFF2-40B4-BE49-F238E27FC236}">
-                <a16:creationId xmlns:a16="http://schemas.microsoft.com/office/drawing/2014/main" id="{9CDF27F2-5D84-70C9-E079-2F6451A91EDF}"/>
-              </a:ext>
-            </a:extLst>
-          </p:cNvPr>
-          <p:cNvPicPr>
-            <a:picLocks noChangeAspect="1"/>
-          </p:cNvPicPr>
-          <p:nvPr/>
-        </p:nvPicPr>
-        <p:blipFill rotWithShape="1">
-          <a:blip r:embed="rId6">
-            <a:extLst>
-              <a:ext uri="{28A0092B-C50C-407E-A947-70E740481C1C}">
-                <a14:useLocalDpi xmlns:a14="http://schemas.microsoft.com/office/drawing/2010/main" val="0"/>
-              </a:ext>
-            </a:extLst>
-          </a:blip>
-          <a:srcRect l="649" t="9612" r="2514" b="16429"/>
-          <a:stretch/>
-        </p:blipFill>
-        <p:spPr bwMode="auto">
-          <a:xfrm>
-            <a:off x="2719444" y="2515129"/>
-            <a:ext cx="1903909" cy="1410068"/>
-          </a:xfrm>
-          <a:prstGeom prst="rect">
-            <a:avLst/>
-          </a:prstGeom>
-          <a:ln>
-            <a:noFill/>
-          </a:ln>
-          <a:effectLst>
-            <a:outerShdw blurRad="292100" dist="139700" dir="2700000" algn="tl" rotWithShape="0">
-              <a:srgbClr val="333333">
-                <a:alpha val="65000"/>
-              </a:srgbClr>
-            </a:outerShdw>
-          </a:effectLst>
-          <a:extLst>
-            <a:ext uri="{53640926-AAD7-44D8-BBD7-CCE9431645EC}">
-              <a14:shadowObscured xmlns:a14="http://schemas.microsoft.com/office/drawing/2010/main"/>
-            </a:ext>
-          </a:extLst>
-        </p:spPr>
-      </p:pic>
-      <p:pic>
-        <p:nvPicPr>
-          <p:cNvPr id="10" name="Picture 3">
-            <a:extLst>
-              <a:ext uri="{FF2B5EF4-FFF2-40B4-BE49-F238E27FC236}">
-                <a16:creationId xmlns:a16="http://schemas.microsoft.com/office/drawing/2014/main" id="{65F3721C-414E-77C2-393B-735A966C0B4B}"/>
-              </a:ext>
-            </a:extLst>
-          </p:cNvPr>
-          <p:cNvPicPr>
-            <a:picLocks noChangeAspect="1"/>
-          </p:cNvPicPr>
-          <p:nvPr/>
-        </p:nvPicPr>
-        <p:blipFill rotWithShape="1">
-          <a:blip r:embed="rId7" cstate="print">
-            <a:extLst>
-              <a:ext uri="{28A0092B-C50C-407E-A947-70E740481C1C}">
-                <a14:useLocalDpi xmlns:a14="http://schemas.microsoft.com/office/drawing/2010/main" val="0"/>
-              </a:ext>
-            </a:extLst>
-          </a:blip>
-          <a:srcRect t="11881" r="15959" b="1732"/>
-          <a:stretch/>
-        </p:blipFill>
-        <p:spPr bwMode="auto">
-          <a:xfrm>
-            <a:off x="2719443" y="4417322"/>
-            <a:ext cx="1903909" cy="1897499"/>
-          </a:xfrm>
-          <a:prstGeom prst="rect">
-            <a:avLst/>
-          </a:prstGeom>
-          <a:ln>
-            <a:noFill/>
-          </a:ln>
-          <a:effectLst>
-            <a:outerShdw blurRad="292100" dist="139700" dir="2700000" algn="tl" rotWithShape="0">
-              <a:srgbClr val="333333">
-                <a:alpha val="65000"/>
-              </a:srgbClr>
-            </a:outerShdw>
-          </a:effectLst>
-          <a:extLst>
-            <a:ext uri="{53640926-AAD7-44D8-BBD7-CCE9431645EC}">
-              <a14:shadowObscured xmlns:a14="http://schemas.microsoft.com/office/drawing/2010/main"/>
-            </a:ext>
-          </a:extLst>
-        </p:spPr>
-      </p:pic>
-      <p:pic>
-        <p:nvPicPr>
-          <p:cNvPr id="17" name="Picture 4">
-            <a:extLst>
-              <a:ext uri="{FF2B5EF4-FFF2-40B4-BE49-F238E27FC236}">
-                <a16:creationId xmlns:a16="http://schemas.microsoft.com/office/drawing/2014/main" id="{254A2C92-16EB-986B-E0A1-C7EA92609316}"/>
-              </a:ext>
-            </a:extLst>
-          </p:cNvPr>
-          <p:cNvPicPr>
-            <a:picLocks noChangeAspect="1"/>
-          </p:cNvPicPr>
-          <p:nvPr/>
-        </p:nvPicPr>
-        <p:blipFill rotWithShape="1">
-          <a:blip r:embed="rId8">
-            <a:extLst>
-              <a:ext uri="{28A0092B-C50C-407E-A947-70E740481C1C}">
-                <a14:useLocalDpi xmlns:a14="http://schemas.microsoft.com/office/drawing/2010/main" val="0"/>
-              </a:ext>
-            </a:extLst>
-          </a:blip>
-          <a:srcRect t="25246"/>
-          <a:stretch/>
-        </p:blipFill>
-        <p:spPr bwMode="auto">
-          <a:xfrm>
-            <a:off x="4896212" y="2502148"/>
-            <a:ext cx="2399571" cy="656697"/>
-          </a:xfrm>
-          <a:prstGeom prst="rect">
-            <a:avLst/>
-          </a:prstGeom>
-          <a:ln>
-            <a:noFill/>
-          </a:ln>
-          <a:effectLst>
-            <a:outerShdw blurRad="292100" dist="139700" dir="2700000" algn="tl" rotWithShape="0">
-              <a:srgbClr val="333333">
-                <a:alpha val="65000"/>
-              </a:srgbClr>
-            </a:outerShdw>
-          </a:effectLst>
-          <a:extLst>
-            <a:ext uri="{53640926-AAD7-44D8-BBD7-CCE9431645EC}">
-              <a14:shadowObscured xmlns:a14="http://schemas.microsoft.com/office/drawing/2010/main"/>
-            </a:ext>
-          </a:extLst>
-        </p:spPr>
-      </p:pic>
-      <p:pic>
-        <p:nvPicPr>
-          <p:cNvPr id="18" name="Picture 5">
-            <a:extLst>
-              <a:ext uri="{FF2B5EF4-FFF2-40B4-BE49-F238E27FC236}">
-                <a16:creationId xmlns:a16="http://schemas.microsoft.com/office/drawing/2014/main" id="{ED0ACD28-F363-DCAC-4276-DF5374CC624C}"/>
-              </a:ext>
-            </a:extLst>
-          </p:cNvPr>
-          <p:cNvPicPr>
-            <a:picLocks noChangeAspect="1"/>
-          </p:cNvPicPr>
-          <p:nvPr/>
-        </p:nvPicPr>
-        <p:blipFill rotWithShape="1">
-          <a:blip r:embed="rId9">
-            <a:extLst>
-              <a:ext uri="{28A0092B-C50C-407E-A947-70E740481C1C}">
-                <a14:useLocalDpi xmlns:a14="http://schemas.microsoft.com/office/drawing/2010/main" val="0"/>
-              </a:ext>
-            </a:extLst>
-          </a:blip>
-          <a:srcRect t="25246"/>
-          <a:stretch/>
-        </p:blipFill>
-        <p:spPr bwMode="auto">
-          <a:xfrm>
-            <a:off x="4896212" y="3379056"/>
-            <a:ext cx="2399571" cy="656683"/>
-          </a:xfrm>
-          <a:prstGeom prst="rect">
-            <a:avLst/>
-          </a:prstGeom>
-          <a:ln>
-            <a:noFill/>
-          </a:ln>
-          <a:effectLst>
-            <a:outerShdw blurRad="292100" dist="139700" dir="2700000" algn="tl" rotWithShape="0">
-              <a:srgbClr val="333333">
-                <a:alpha val="65000"/>
-              </a:srgbClr>
-            </a:outerShdw>
-          </a:effectLst>
-          <a:extLst>
-            <a:ext uri="{53640926-AAD7-44D8-BBD7-CCE9431645EC}">
-              <a14:shadowObscured xmlns:a14="http://schemas.microsoft.com/office/drawing/2010/main"/>
-            </a:ext>
-          </a:extLst>
-        </p:spPr>
-      </p:pic>
-      <p:pic>
-        <p:nvPicPr>
-          <p:cNvPr id="19" name="Picture 6">
-            <a:extLst>
-              <a:ext uri="{FF2B5EF4-FFF2-40B4-BE49-F238E27FC236}">
-                <a16:creationId xmlns:a16="http://schemas.microsoft.com/office/drawing/2014/main" id="{D890EED4-0A01-8263-71FA-993E48529F06}"/>
-              </a:ext>
-            </a:extLst>
-          </p:cNvPr>
-          <p:cNvPicPr>
-            <a:picLocks noChangeAspect="1"/>
-          </p:cNvPicPr>
-          <p:nvPr/>
-        </p:nvPicPr>
-        <p:blipFill rotWithShape="1">
-          <a:blip r:embed="rId10">
-            <a:extLst>
-              <a:ext uri="{28A0092B-C50C-407E-A947-70E740481C1C}">
-                <a14:useLocalDpi xmlns:a14="http://schemas.microsoft.com/office/drawing/2010/main" val="0"/>
-              </a:ext>
-            </a:extLst>
-          </a:blip>
-          <a:srcRect t="24930"/>
-          <a:stretch/>
-        </p:blipFill>
-        <p:spPr bwMode="auto">
-          <a:xfrm>
-            <a:off x="4896211" y="4255950"/>
-            <a:ext cx="2399571" cy="657278"/>
-          </a:xfrm>
-          <a:prstGeom prst="rect">
-            <a:avLst/>
-          </a:prstGeom>
-          <a:ln>
-            <a:noFill/>
-          </a:ln>
-          <a:effectLst>
-            <a:outerShdw blurRad="292100" dist="139700" dir="2700000" algn="tl" rotWithShape="0">
-              <a:srgbClr val="333333">
-                <a:alpha val="65000"/>
-              </a:srgbClr>
-            </a:outerShdw>
-          </a:effectLst>
-          <a:extLst>
-            <a:ext uri="{53640926-AAD7-44D8-BBD7-CCE9431645EC}">
-              <a14:shadowObscured xmlns:a14="http://schemas.microsoft.com/office/drawing/2010/main"/>
-            </a:ext>
-          </a:extLst>
-        </p:spPr>
-      </p:pic>
-      <p:sp>
-        <p:nvSpPr>
-          <p:cNvPr id="9" name="Rectangle 8">
-            <a:extLst>
-              <a:ext uri="{FF2B5EF4-FFF2-40B4-BE49-F238E27FC236}">
-                <a16:creationId xmlns:a16="http://schemas.microsoft.com/office/drawing/2014/main" id="{073370F1-DB75-8447-1B5D-83DD9515F012}"/>
-              </a:ext>
-            </a:extLst>
-          </p:cNvPr>
-          <p:cNvSpPr/>
-          <p:nvPr/>
-        </p:nvSpPr>
-        <p:spPr>
-          <a:xfrm>
-            <a:off x="2150771" y="0"/>
-            <a:ext cx="10041229" cy="6858000"/>
-          </a:xfrm>
-          <a:prstGeom prst="rect">
-            <a:avLst/>
-          </a:prstGeom>
-          <a:solidFill>
-            <a:schemeClr val="bg1"/>
-          </a:solidFill>
-          <a:ln>
-            <a:solidFill>
-              <a:schemeClr val="bg1"/>
-            </a:solidFill>
-          </a:ln>
-          <a:effectLst>
-            <a:softEdge rad="63500"/>
-          </a:effectLst>
-        </p:spPr>
-        <p:style>
-          <a:lnRef idx="2">
-            <a:schemeClr val="accent1">
-              <a:shade val="15000"/>
-            </a:schemeClr>
-          </a:lnRef>
-          <a:fillRef idx="1">
-            <a:schemeClr val="accent1"/>
-          </a:fillRef>
-          <a:effectRef idx="0">
-            <a:schemeClr val="accent1"/>
-          </a:effectRef>
-          <a:fontRef idx="minor">
-            <a:schemeClr val="lt1"/>
-          </a:fontRef>
-        </p:style>
-        <p:txBody>
-          <a:bodyPr rtlCol="0" anchor="ctr"/>
-          <a:lstStyle/>
-          <a:p>
-            <a:pPr algn="ctr"/>
-            <a:endParaRPr lang="it-IT"/>
-          </a:p>
-        </p:txBody>
-      </p:sp>
-      <p:sp>
-        <p:nvSpPr>
-          <p:cNvPr id="5" name="CasellaDiTesto 4">
-            <a:extLst>
-              <a:ext uri="{FF2B5EF4-FFF2-40B4-BE49-F238E27FC236}">
-                <a16:creationId xmlns:a16="http://schemas.microsoft.com/office/drawing/2014/main" id="{2F598279-626D-0AEF-FD85-D814F0455493}"/>
-              </a:ext>
-            </a:extLst>
-          </p:cNvPr>
-          <p:cNvSpPr txBox="1"/>
-          <p:nvPr/>
-        </p:nvSpPr>
-        <p:spPr>
-          <a:xfrm>
-            <a:off x="2181542" y="6354103"/>
-            <a:ext cx="2770599" cy="338554"/>
-          </a:xfrm>
-          <a:prstGeom prst="rect">
-            <a:avLst/>
-          </a:prstGeom>
-          <a:noFill/>
-        </p:spPr>
-        <p:txBody>
-          <a:bodyPr wrap="square">
-            <a:spAutoFit/>
-          </a:bodyPr>
-          <a:lstStyle/>
-          <a:p>
-            <a:r>
-              <a:rPr lang="en-GB" sz="1600" dirty="0" err="1">
-                <a:solidFill>
-                  <a:srgbClr val="4F27A9"/>
-                </a:solidFill>
-              </a:rPr>
-              <a:t>HoughCircles</a:t>
-            </a:r>
-            <a:r>
-              <a:rPr lang="en-GB" sz="1600" dirty="0">
-                <a:solidFill>
-                  <a:srgbClr val="4F27A9"/>
-                </a:solidFill>
-              </a:rPr>
-              <a:t> + </a:t>
-            </a:r>
-            <a:r>
-              <a:rPr lang="en-GB" sz="1600" dirty="0" err="1">
-                <a:solidFill>
-                  <a:srgbClr val="4F27A9"/>
-                </a:solidFill>
-              </a:rPr>
-              <a:t>findContours</a:t>
-            </a:r>
-            <a:r>
-              <a:rPr lang="en-GB" sz="1600" dirty="0">
-                <a:solidFill>
-                  <a:srgbClr val="4F27A9"/>
-                </a:solidFill>
-              </a:rPr>
-              <a:t> </a:t>
-            </a:r>
-          </a:p>
-        </p:txBody>
-      </p:sp>
-      <p:sp>
-        <p:nvSpPr>
-          <p:cNvPr id="2" name="CasellaDiTesto 1">
-            <a:extLst>
-              <a:ext uri="{FF2B5EF4-FFF2-40B4-BE49-F238E27FC236}">
-                <a16:creationId xmlns:a16="http://schemas.microsoft.com/office/drawing/2014/main" id="{CE9870D3-3797-5FB2-F376-C500A574E013}"/>
-              </a:ext>
-            </a:extLst>
-          </p:cNvPr>
-          <p:cNvSpPr txBox="1"/>
-          <p:nvPr/>
-        </p:nvSpPr>
-        <p:spPr>
-          <a:xfrm>
-            <a:off x="2259740" y="4062873"/>
-            <a:ext cx="2500041" cy="338554"/>
-          </a:xfrm>
-          <a:prstGeom prst="rect">
-            <a:avLst/>
-          </a:prstGeom>
-          <a:noFill/>
-        </p:spPr>
-        <p:txBody>
-          <a:bodyPr wrap="square" rtlCol="0">
-            <a:spAutoFit/>
-          </a:bodyPr>
-          <a:lstStyle/>
-          <a:p>
-            <a:r>
-              <a:rPr lang="it-IT" sz="1600" dirty="0" err="1">
-                <a:solidFill>
-                  <a:srgbClr val="4F27A9"/>
-                </a:solidFill>
-              </a:rPr>
-              <a:t>Threshold</a:t>
-            </a:r>
-            <a:r>
-              <a:rPr lang="it-IT" sz="1600" dirty="0">
-                <a:solidFill>
-                  <a:srgbClr val="4F27A9"/>
-                </a:solidFill>
-              </a:rPr>
-              <a:t> + </a:t>
-            </a:r>
-            <a:r>
-              <a:rPr lang="it-IT" sz="1600" dirty="0" err="1">
-                <a:solidFill>
-                  <a:srgbClr val="4F27A9"/>
-                </a:solidFill>
-              </a:rPr>
-              <a:t>erosion</a:t>
-            </a:r>
-            <a:r>
-              <a:rPr lang="it-IT" sz="1600" dirty="0">
-                <a:solidFill>
-                  <a:srgbClr val="4F27A9"/>
-                </a:solidFill>
-              </a:rPr>
-              <a:t> filter</a:t>
-            </a:r>
-            <a:endParaRPr lang="en-GB" sz="1600" dirty="0">
-              <a:solidFill>
-                <a:srgbClr val="4F27A9"/>
-              </a:solidFill>
-            </a:endParaRPr>
-          </a:p>
-        </p:txBody>
-      </p:sp>
-      <p:sp>
-        <p:nvSpPr>
-          <p:cNvPr id="7" name="CasellaDiTesto 6">
-            <a:extLst>
-              <a:ext uri="{FF2B5EF4-FFF2-40B4-BE49-F238E27FC236}">
-                <a16:creationId xmlns:a16="http://schemas.microsoft.com/office/drawing/2014/main" id="{93693B4D-5E7B-8CD2-DEFC-B139CDA83F37}"/>
-              </a:ext>
-            </a:extLst>
-          </p:cNvPr>
-          <p:cNvSpPr txBox="1"/>
-          <p:nvPr/>
-        </p:nvSpPr>
-        <p:spPr>
-          <a:xfrm>
-            <a:off x="4896210" y="5830883"/>
-            <a:ext cx="2399571" cy="861774"/>
-          </a:xfrm>
-          <a:prstGeom prst="rect">
-            <a:avLst/>
-          </a:prstGeom>
-          <a:noFill/>
-        </p:spPr>
-        <p:txBody>
-          <a:bodyPr wrap="square">
-            <a:spAutoFit/>
-          </a:bodyPr>
-          <a:lstStyle/>
-          <a:p>
-            <a:pPr algn="ctr"/>
-            <a:r>
-              <a:rPr lang="en-GB" sz="1600" dirty="0">
-                <a:solidFill>
-                  <a:srgbClr val="4F27A9"/>
-                </a:solidFill>
-              </a:rPr>
-              <a:t>Rubber sheet model </a:t>
-            </a:r>
-          </a:p>
-          <a:p>
-            <a:pPr algn="ctr"/>
-            <a:r>
-              <a:rPr lang="en-GB" sz="1600" dirty="0">
-                <a:solidFill>
-                  <a:srgbClr val="4F27A9"/>
-                </a:solidFill>
-              </a:rPr>
-              <a:t>+ </a:t>
-            </a:r>
-          </a:p>
-          <a:p>
-            <a:pPr algn="ctr"/>
-            <a:r>
-              <a:rPr lang="en-GB" sz="1600" dirty="0">
-                <a:solidFill>
-                  <a:srgbClr val="4F27A9"/>
-                </a:solidFill>
-              </a:rPr>
-              <a:t>threshold masks</a:t>
-            </a:r>
-          </a:p>
-        </p:txBody>
-      </p:sp>
-      <p:sp>
-        <p:nvSpPr>
-          <p:cNvPr id="3" name="CasellaDiTesto 2">
-            <a:extLst>
-              <a:ext uri="{FF2B5EF4-FFF2-40B4-BE49-F238E27FC236}">
-                <a16:creationId xmlns:a16="http://schemas.microsoft.com/office/drawing/2014/main" id="{7A7A0868-D76B-728C-04B6-8E9BFF943906}"/>
-              </a:ext>
-            </a:extLst>
-          </p:cNvPr>
-          <p:cNvSpPr txBox="1"/>
-          <p:nvPr/>
-        </p:nvSpPr>
-        <p:spPr>
-          <a:xfrm>
-            <a:off x="1344706" y="177422"/>
-            <a:ext cx="10354235" cy="923330"/>
-          </a:xfrm>
-          <a:prstGeom prst="rect">
-            <a:avLst/>
-          </a:prstGeom>
-          <a:noFill/>
-        </p:spPr>
-        <p:txBody>
-          <a:bodyPr wrap="square">
-            <a:spAutoFit/>
-          </a:bodyPr>
-          <a:lstStyle/>
-          <a:p>
-            <a:r>
-              <a:rPr lang="en-GB" sz="5400" b="1" dirty="0">
-                <a:ln w="22225">
-                  <a:solidFill>
-                    <a:schemeClr val="accent6">
-                      <a:lumMod val="75000"/>
-                    </a:schemeClr>
-                  </a:solidFill>
-                  <a:prstDash val="solid"/>
-                </a:ln>
-                <a:solidFill>
-                  <a:srgbClr val="00B0F0"/>
-                </a:solidFill>
-              </a:rPr>
-              <a:t>Iris identification Approach</a:t>
-            </a:r>
-          </a:p>
-        </p:txBody>
-      </p:sp>
-      <p:sp>
-        <p:nvSpPr>
-          <p:cNvPr id="13" name="CasellaDiTesto 12">
-            <a:extLst>
-              <a:ext uri="{FF2B5EF4-FFF2-40B4-BE49-F238E27FC236}">
-                <a16:creationId xmlns:a16="http://schemas.microsoft.com/office/drawing/2014/main" id="{6990121C-67CF-E58A-38C5-E687A1FE6AEE}"/>
-              </a:ext>
-            </a:extLst>
-          </p:cNvPr>
-          <p:cNvSpPr txBox="1"/>
-          <p:nvPr/>
-        </p:nvSpPr>
-        <p:spPr>
-          <a:xfrm>
-            <a:off x="7658557" y="4481184"/>
-            <a:ext cx="2399571" cy="338554"/>
-          </a:xfrm>
-          <a:prstGeom prst="rect">
-            <a:avLst/>
-          </a:prstGeom>
-          <a:noFill/>
-        </p:spPr>
-        <p:txBody>
-          <a:bodyPr wrap="square">
-            <a:spAutoFit/>
-          </a:bodyPr>
-          <a:lstStyle/>
-          <a:p>
-            <a:pPr algn="ctr"/>
-            <a:r>
-              <a:rPr lang="en-GB" sz="1600" dirty="0">
-                <a:solidFill>
-                  <a:srgbClr val="4F27A9"/>
-                </a:solidFill>
-              </a:rPr>
-              <a:t>LBP</a:t>
-            </a:r>
-          </a:p>
-        </p:txBody>
-      </p:sp>
-    </p:spTree>
-    <p:extLst>
-      <p:ext uri="{BB962C8B-B14F-4D97-AF65-F5344CB8AC3E}">
-        <p14:creationId xmlns:p14="http://schemas.microsoft.com/office/powerpoint/2010/main" val="939360447"/>
-      </p:ext>
-    </p:extLst>
-  </p:cSld>
-  <p:clrMapOvr>
-    <a:masterClrMapping/>
-  </p:clrMapOvr>
-  <mc:AlternateContent xmlns:mc="http://schemas.openxmlformats.org/markup-compatibility/2006" xmlns:p14="http://schemas.microsoft.com/office/powerpoint/2010/main">
-    <mc:Choice Requires="p14">
-      <p:transition spd="slow" p14:dur="1600">
-        <p:blinds dir="vert"/>
-      </p:transition>
-    </mc:Choice>
-    <mc:Fallback xmlns="">
-      <p:transition spd="slow">
-        <p:blinds dir="vert"/>
-      </p:transition>
-    </mc:Fallback>
-  </mc:AlternateContent>
-  <p:timing>
-    <p:tnLst>
-      <p:par>
-        <p:cTn id="1" dur="indefinite" restart="never" nodeType="tmRoot">
-          <p:childTnLst>
-            <p:seq concurrent="1" nextAc="seek">
-              <p:cTn id="2" dur="indefinite" nodeType="mainSeq">
-                <p:childTnLst>
-                  <p:par>
-                    <p:cTn id="3" fill="hold">
-                      <p:stCondLst>
-                        <p:cond delay="indefinite"/>
-                      </p:stCondLst>
-                      <p:childTnLst>
-                        <p:par>
-                          <p:cTn id="4" fill="hold">
-                            <p:stCondLst>
-                              <p:cond delay="0"/>
-                            </p:stCondLst>
-                            <p:childTnLst>
-                              <p:par>
-                                <p:cTn id="5" presetID="63" presetClass="path" presetSubtype="0" accel="50000" decel="50000" fill="hold" grpId="0" nodeType="clickEffect">
-                                  <p:stCondLst>
-                                    <p:cond delay="0"/>
-                                  </p:stCondLst>
-                                  <p:childTnLst>
-                                    <p:animMotion origin="layout" path="M -1.04167E-6 0 L 0.21758 -0.00787 " pathEditMode="relative" rAng="0" ptsTypes="AA">
-                                      <p:cBhvr>
-                                        <p:cTn id="6" dur="2000" fill="hold"/>
-                                        <p:tgtEl>
-                                          <p:spTgt spid="9"/>
-                                        </p:tgtEl>
-                                        <p:attrNameLst>
-                                          <p:attrName>ppt_x</p:attrName>
-                                          <p:attrName>ppt_y</p:attrName>
-                                        </p:attrNameLst>
-                                      </p:cBhvr>
-                                      <p:rCtr x="10872" y="-394"/>
-                                    </p:animMotion>
-                                  </p:childTnLst>
-                                </p:cTn>
-                              </p:par>
-                              <p:par>
-                                <p:cTn id="7" presetID="22" presetClass="entr" presetSubtype="8" fill="hold" grpId="0" nodeType="withEffect">
-                                  <p:stCondLst>
-                                    <p:cond delay="800"/>
-                                  </p:stCondLst>
-                                  <p:childTnLst>
-                                    <p:set>
-                                      <p:cBhvr>
-                                        <p:cTn id="8" dur="1" fill="hold">
-                                          <p:stCondLst>
-                                            <p:cond delay="0"/>
-                                          </p:stCondLst>
-                                        </p:cTn>
-                                        <p:tgtEl>
-                                          <p:spTgt spid="5"/>
-                                        </p:tgtEl>
-                                        <p:attrNameLst>
-                                          <p:attrName>style.visibility</p:attrName>
-                                        </p:attrNameLst>
-                                      </p:cBhvr>
-                                      <p:to>
-                                        <p:strVal val="visible"/>
-                                      </p:to>
-                                    </p:set>
-                                    <p:animEffect transition="in" filter="wipe(left)">
-                                      <p:cBhvr>
-                                        <p:cTn id="9" dur="950"/>
-                                        <p:tgtEl>
-                                          <p:spTgt spid="5"/>
-                                        </p:tgtEl>
-                                      </p:cBhvr>
-                                    </p:animEffect>
-                                  </p:childTnLst>
-                                </p:cTn>
-                              </p:par>
-                              <p:par>
-                                <p:cTn id="10" presetID="22" presetClass="entr" presetSubtype="8" fill="hold" grpId="0" nodeType="withEffect">
-                                  <p:stCondLst>
-                                    <p:cond delay="800"/>
-                                  </p:stCondLst>
-                                  <p:childTnLst>
-                                    <p:set>
-                                      <p:cBhvr>
-                                        <p:cTn id="11" dur="1" fill="hold">
-                                          <p:stCondLst>
-                                            <p:cond delay="0"/>
-                                          </p:stCondLst>
-                                        </p:cTn>
-                                        <p:tgtEl>
-                                          <p:spTgt spid="2"/>
-                                        </p:tgtEl>
-                                        <p:attrNameLst>
-                                          <p:attrName>style.visibility</p:attrName>
-                                        </p:attrNameLst>
-                                      </p:cBhvr>
-                                      <p:to>
-                                        <p:strVal val="visible"/>
-                                      </p:to>
-                                    </p:set>
-                                    <p:animEffect transition="in" filter="wipe(left)">
-                                      <p:cBhvr>
-                                        <p:cTn id="12" dur="950"/>
-                                        <p:tgtEl>
-                                          <p:spTgt spid="2"/>
-                                        </p:tgtEl>
-                                      </p:cBhvr>
-                                    </p:animEffect>
-                                  </p:childTnLst>
-                                </p:cTn>
-                              </p:par>
-                            </p:childTnLst>
-                          </p:cTn>
-                        </p:par>
-                      </p:childTnLst>
-                    </p:cTn>
-                  </p:par>
-                  <p:par>
-                    <p:cTn id="13" fill="hold">
-                      <p:stCondLst>
-                        <p:cond delay="indefinite"/>
-                      </p:stCondLst>
-                      <p:childTnLst>
-                        <p:par>
-                          <p:cTn id="14" fill="hold">
-                            <p:stCondLst>
-                              <p:cond delay="0"/>
-                            </p:stCondLst>
-                            <p:childTnLst>
-                              <p:par>
-                                <p:cTn id="15" presetID="63" presetClass="path" presetSubtype="0" accel="50000" decel="50000" fill="hold" grpId="1" nodeType="clickEffect">
-                                  <p:stCondLst>
-                                    <p:cond delay="0"/>
-                                  </p:stCondLst>
-                                  <p:childTnLst>
-                                    <p:animMotion origin="layout" path="M 0.21758 -0.00787 L 0.42708 -0.00787 " pathEditMode="relative" rAng="0" ptsTypes="AA">
-                                      <p:cBhvr>
-                                        <p:cTn id="16" dur="2000" fill="hold"/>
-                                        <p:tgtEl>
-                                          <p:spTgt spid="9"/>
-                                        </p:tgtEl>
-                                        <p:attrNameLst>
-                                          <p:attrName>ppt_x</p:attrName>
-                                          <p:attrName>ppt_y</p:attrName>
-                                        </p:attrNameLst>
-                                      </p:cBhvr>
-                                      <p:rCtr x="10469" y="0"/>
-                                    </p:animMotion>
-                                  </p:childTnLst>
-                                </p:cTn>
-                              </p:par>
-                              <p:par>
-                                <p:cTn id="17" presetID="22" presetClass="entr" presetSubtype="8" fill="hold" grpId="0" nodeType="withEffect">
-                                  <p:stCondLst>
-                                    <p:cond delay="800"/>
-                                  </p:stCondLst>
-                                  <p:childTnLst>
-                                    <p:set>
-                                      <p:cBhvr>
-                                        <p:cTn id="18" dur="1" fill="hold">
-                                          <p:stCondLst>
-                                            <p:cond delay="0"/>
-                                          </p:stCondLst>
-                                        </p:cTn>
-                                        <p:tgtEl>
-                                          <p:spTgt spid="7"/>
-                                        </p:tgtEl>
-                                        <p:attrNameLst>
-                                          <p:attrName>style.visibility</p:attrName>
-                                        </p:attrNameLst>
-                                      </p:cBhvr>
-                                      <p:to>
-                                        <p:strVal val="visible"/>
-                                      </p:to>
-                                    </p:set>
-                                    <p:animEffect transition="in" filter="wipe(left)">
-                                      <p:cBhvr>
-                                        <p:cTn id="19" dur="950"/>
-                                        <p:tgtEl>
-                                          <p:spTgt spid="7"/>
-                                        </p:tgtEl>
-                                      </p:cBhvr>
-                                    </p:animEffect>
-                                  </p:childTnLst>
-                                </p:cTn>
-                              </p:par>
-                            </p:childTnLst>
-                          </p:cTn>
-                        </p:par>
-                      </p:childTnLst>
-                    </p:cTn>
-                  </p:par>
-                  <p:par>
-                    <p:cTn id="20" fill="hold">
-                      <p:stCondLst>
-                        <p:cond delay="indefinite"/>
-                      </p:stCondLst>
-                      <p:childTnLst>
-                        <p:par>
-                          <p:cTn id="21" fill="hold">
-                            <p:stCondLst>
-                              <p:cond delay="0"/>
-                            </p:stCondLst>
-                            <p:childTnLst>
-                              <p:par>
-                                <p:cTn id="22" presetID="63" presetClass="path" presetSubtype="0" accel="50000" decel="50000" fill="hold" grpId="2" nodeType="clickEffect">
-                                  <p:stCondLst>
-                                    <p:cond delay="0"/>
-                                  </p:stCondLst>
-                                  <p:childTnLst>
-                                    <p:animMotion origin="layout" path="M 0.42708 -0.00787 L 0.84883 -0.00787 " pathEditMode="relative" rAng="0" ptsTypes="AA">
-                                      <p:cBhvr>
-                                        <p:cTn id="23" dur="2000" fill="hold"/>
-                                        <p:tgtEl>
-                                          <p:spTgt spid="9"/>
-                                        </p:tgtEl>
-                                        <p:attrNameLst>
-                                          <p:attrName>ppt_x</p:attrName>
-                                          <p:attrName>ppt_y</p:attrName>
-                                        </p:attrNameLst>
-                                      </p:cBhvr>
-                                      <p:rCtr x="21081" y="0"/>
-                                    </p:animMotion>
-                                  </p:childTnLst>
-                                </p:cTn>
-                              </p:par>
-                              <p:par>
-                                <p:cTn id="24" presetID="22" presetClass="entr" presetSubtype="8" fill="hold" grpId="0" nodeType="withEffect">
-                                  <p:stCondLst>
-                                    <p:cond delay="500"/>
-                                  </p:stCondLst>
-                                  <p:childTnLst>
-                                    <p:set>
-                                      <p:cBhvr>
-                                        <p:cTn id="25" dur="1" fill="hold">
-                                          <p:stCondLst>
-                                            <p:cond delay="0"/>
-                                          </p:stCondLst>
-                                        </p:cTn>
-                                        <p:tgtEl>
-                                          <p:spTgt spid="13"/>
-                                        </p:tgtEl>
-                                        <p:attrNameLst>
-                                          <p:attrName>style.visibility</p:attrName>
-                                        </p:attrNameLst>
-                                      </p:cBhvr>
-                                      <p:to>
-                                        <p:strVal val="visible"/>
-                                      </p:to>
-                                    </p:set>
-                                    <p:animEffect transition="in" filter="wipe(left)">
-                                      <p:cBhvr>
-                                        <p:cTn id="26" dur="950"/>
-                                        <p:tgtEl>
-                                          <p:spTgt spid="13"/>
-                                        </p:tgtEl>
-                                      </p:cBhvr>
-                                    </p:animEffect>
-                                  </p:childTnLst>
-                                </p:cTn>
-                              </p:par>
-                            </p:childTnLst>
-                          </p:cTn>
-                        </p:par>
-                      </p:childTnLst>
-                    </p:cTn>
-                  </p:par>
-                </p:childTnLst>
-              </p:cTn>
-              <p:prevCondLst>
-                <p:cond evt="onPrev" delay="0">
-                  <p:tgtEl>
-                    <p:sldTgt/>
-                  </p:tgtEl>
-                </p:cond>
-              </p:prevCondLst>
-              <p:nextCondLst>
-                <p:cond evt="onNext" delay="0">
-                  <p:tgtEl>
-                    <p:sldTgt/>
-                  </p:tgtEl>
-                </p:cond>
-              </p:nextCondLst>
-            </p:seq>
-          </p:childTnLst>
-        </p:cTn>
-      </p:par>
-    </p:tnLst>
-    <p:bldLst>
-      <p:bldP spid="9" grpId="0" animBg="1"/>
-      <p:bldP spid="9" grpId="1" animBg="1"/>
-      <p:bldP spid="9" grpId="2" animBg="1"/>
-      <p:bldP spid="5" grpId="0"/>
-      <p:bldP spid="2" grpId="0"/>
-      <p:bldP spid="7" grpId="0"/>
-      <p:bldP spid="13" grpId="0"/>
-    </p:bldLst>
-  </p:timing>
-</p:sld>
-</file>
-
-<file path=ppt/slides/slide5.xml><?xml version="1.0" encoding="utf-8"?>
-<p:sld xmlns:a="http://schemas.openxmlformats.org/drawingml/2006/main" xmlns:r="http://schemas.openxmlformats.org/officeDocument/2006/relationships" xmlns:p="http://schemas.openxmlformats.org/presentationml/2006/main">
-  <p:cSld>
-    <p:spTree>
-      <p:nvGrpSpPr>
-        <p:cNvPr id="1" name=""/>
-        <p:cNvGrpSpPr/>
-        <p:nvPr/>
-      </p:nvGrpSpPr>
-      <p:grpSpPr>
-        <a:xfrm>
-          <a:off x="0" y="0"/>
-          <a:ext cx="0" cy="0"/>
-          <a:chOff x="0" y="0"/>
-          <a:chExt cx="0" cy="0"/>
-        </a:xfrm>
-      </p:grpSpPr>
-      <p:sp>
-        <p:nvSpPr>
-          <p:cNvPr id="3" name="CasellaDiTesto 2">
-            <a:extLst>
-              <a:ext uri="{FF2B5EF4-FFF2-40B4-BE49-F238E27FC236}">
-                <a16:creationId xmlns:a16="http://schemas.microsoft.com/office/drawing/2014/main" id="{728247DF-6111-02B0-F3E7-11FBDDF3C1B9}"/>
-              </a:ext>
-            </a:extLst>
-          </p:cNvPr>
-          <p:cNvSpPr txBox="1"/>
-          <p:nvPr/>
-        </p:nvSpPr>
-        <p:spPr>
-          <a:xfrm>
-            <a:off x="999303" y="734602"/>
-            <a:ext cx="4930514" cy="1754326"/>
-          </a:xfrm>
-          <a:prstGeom prst="rect">
-            <a:avLst/>
-          </a:prstGeom>
-          <a:noFill/>
-        </p:spPr>
-        <p:txBody>
-          <a:bodyPr wrap="square">
-            <a:spAutoFit/>
-          </a:bodyPr>
-          <a:lstStyle/>
-          <a:p>
-            <a:pPr algn="ctr"/>
-            <a:r>
-              <a:rPr lang="it-IT" sz="5400" b="1" dirty="0">
-                <a:ln w="22225">
-                  <a:solidFill>
-                    <a:schemeClr val="accent6">
-                      <a:lumMod val="75000"/>
-                    </a:schemeClr>
-                  </a:solidFill>
-                  <a:prstDash val="solid"/>
-                </a:ln>
-                <a:solidFill>
-                  <a:srgbClr val="00B0F0"/>
-                </a:solidFill>
-              </a:rPr>
-              <a:t>F</a:t>
-            </a:r>
-            <a:r>
-              <a:rPr lang="en-GB" sz="5400" b="1" dirty="0">
-                <a:ln w="22225">
-                  <a:solidFill>
-                    <a:schemeClr val="accent6">
-                      <a:lumMod val="75000"/>
-                    </a:schemeClr>
-                  </a:solidFill>
-                  <a:prstDash val="solid"/>
-                </a:ln>
-                <a:solidFill>
-                  <a:srgbClr val="00B0F0"/>
-                </a:solidFill>
-              </a:rPr>
-              <a:t>ace Recognition</a:t>
-            </a:r>
-          </a:p>
-        </p:txBody>
-      </p:sp>
-      <p:sp>
-        <p:nvSpPr>
-          <p:cNvPr id="6" name="CasellaDiTesto 5">
-            <a:extLst>
-              <a:ext uri="{FF2B5EF4-FFF2-40B4-BE49-F238E27FC236}">
-                <a16:creationId xmlns:a16="http://schemas.microsoft.com/office/drawing/2014/main" id="{2B95169D-1547-09D6-E94B-2CCFC244C5B6}"/>
-              </a:ext>
-            </a:extLst>
-          </p:cNvPr>
-          <p:cNvSpPr txBox="1"/>
-          <p:nvPr/>
-        </p:nvSpPr>
-        <p:spPr>
-          <a:xfrm>
-            <a:off x="416560" y="2848520"/>
-            <a:ext cx="6096000" cy="2397195"/>
-          </a:xfrm>
-          <a:prstGeom prst="rect">
-            <a:avLst/>
-          </a:prstGeom>
-          <a:noFill/>
-        </p:spPr>
-        <p:txBody>
-          <a:bodyPr wrap="square">
-            <a:spAutoFit/>
-          </a:bodyPr>
-          <a:lstStyle/>
-          <a:p>
-            <a:pPr algn="just">
-              <a:lnSpc>
-                <a:spcPct val="115000"/>
-              </a:lnSpc>
-              <a:spcAft>
-                <a:spcPts val="800"/>
-              </a:spcAft>
-            </a:pPr>
-            <a:r>
-              <a:rPr lang="en-GB" sz="2200" dirty="0">
-                <a:latin typeface="Times New Roman" panose="02020603050405020304" pitchFamily="18" charset="0"/>
-                <a:cs typeface="Times New Roman" panose="02020603050405020304" pitchFamily="18" charset="0"/>
-              </a:rPr>
-              <a:t>Face recognition, has gained significant attention due to its wide-ranging applications in security and human-computer interaction. The ability to automatically identify and verify individuals based on facial features has become an important technology in various industries. </a:t>
-            </a:r>
-          </a:p>
-        </p:txBody>
-      </p:sp>
-      <p:pic>
-        <p:nvPicPr>
-          <p:cNvPr id="3074" name="Picture 2" descr="genera un'immagine che rappresenta il metodo di riconoscimento biometrico face recognition. Immagine 2 di 4">
-            <a:extLst>
-              <a:ext uri="{FF2B5EF4-FFF2-40B4-BE49-F238E27FC236}">
-                <a16:creationId xmlns:a16="http://schemas.microsoft.com/office/drawing/2014/main" id="{29AC566A-684B-AF08-6771-A58F7D8A6C25}"/>
-              </a:ext>
-            </a:extLst>
-          </p:cNvPr>
-          <p:cNvPicPr>
-            <a:picLocks noChangeAspect="1" noChangeArrowheads="1"/>
-          </p:cNvPicPr>
-          <p:nvPr/>
-        </p:nvPicPr>
-        <p:blipFill>
-          <a:blip r:embed="rId2">
-            <a:extLst>
-              <a:ext uri="{28A0092B-C50C-407E-A947-70E740481C1C}">
-                <a14:useLocalDpi xmlns:a14="http://schemas.microsoft.com/office/drawing/2010/main" val="0"/>
-              </a:ext>
-            </a:extLst>
-          </a:blip>
-          <a:srcRect/>
-          <a:stretch>
-            <a:fillRect/>
-          </a:stretch>
-        </p:blipFill>
-        <p:spPr bwMode="auto">
-          <a:xfrm>
-            <a:off x="6991053" y="1085609"/>
-            <a:ext cx="4686782" cy="4686782"/>
-          </a:xfrm>
-          <a:prstGeom prst="rect">
-            <a:avLst/>
-          </a:prstGeom>
-          <a:ln w="127000" cap="sq">
-            <a:solidFill>
-              <a:srgbClr val="000000"/>
-            </a:solidFill>
-            <a:miter lim="800000"/>
-          </a:ln>
-          <a:effectLst>
-            <a:outerShdw blurRad="57150" dist="50800" dir="2700000" algn="tl" rotWithShape="0">
-              <a:srgbClr val="000000">
-                <a:alpha val="40000"/>
-              </a:srgbClr>
-            </a:outerShdw>
-            <a:softEdge rad="31750"/>
-          </a:effectLst>
-          <a:extLst>
-            <a:ext uri="{909E8E84-426E-40DD-AFC4-6F175D3DCCD1}">
-              <a14:hiddenFill xmlns:a14="http://schemas.microsoft.com/office/drawing/2010/main">
-                <a:solidFill>
-                  <a:srgbClr val="FFFFFF"/>
-                </a:solidFill>
-              </a14:hiddenFill>
-            </a:ext>
-          </a:extLst>
-        </p:spPr>
-      </p:pic>
-    </p:spTree>
-    <p:extLst>
-      <p:ext uri="{BB962C8B-B14F-4D97-AF65-F5344CB8AC3E}">
-        <p14:creationId xmlns:p14="http://schemas.microsoft.com/office/powerpoint/2010/main" val="3540466429"/>
-      </p:ext>
-    </p:extLst>
-  </p:cSld>
-  <p:clrMapOvr>
-    <a:masterClrMapping/>
-  </p:clrMapOvr>
-  <mc:AlternateContent xmlns:mc="http://schemas.openxmlformats.org/markup-compatibility/2006" xmlns:p14="http://schemas.microsoft.com/office/powerpoint/2010/main">
-    <mc:Choice Requires="p14">
-      <p:transition spd="slow" p14:dur="1400">
-        <p:blinds/>
-      </p:transition>
-    </mc:Choice>
-    <mc:Fallback xmlns="">
-      <p:transition spd="slow">
-        <p:blinds/>
-      </p:transition>
-    </mc:Fallback>
-  </mc:AlternateContent>
-</p:sld>
-</file>
-
-<file path=ppt/slides/slide6.xml><?xml version="1.0" encoding="utf-8"?>
-<p:sld xmlns:a="http://schemas.openxmlformats.org/drawingml/2006/main" xmlns:r="http://schemas.openxmlformats.org/officeDocument/2006/relationships" xmlns:p="http://schemas.openxmlformats.org/presentationml/2006/main">
-  <p:cSld>
-    <p:spTree>
-      <p:nvGrpSpPr>
-        <p:cNvPr id="1" name=""/>
-        <p:cNvGrpSpPr/>
-        <p:nvPr/>
-      </p:nvGrpSpPr>
-      <p:grpSpPr>
-        <a:xfrm>
-          <a:off x="0" y="0"/>
-          <a:ext cx="0" cy="0"/>
-          <a:chOff x="0" y="0"/>
-          <a:chExt cx="0" cy="0"/>
-        </a:xfrm>
-      </p:grpSpPr>
-      <p:sp>
-        <p:nvSpPr>
-          <p:cNvPr id="2" name="CasellaDiTesto 1">
-            <a:extLst>
-              <a:ext uri="{FF2B5EF4-FFF2-40B4-BE49-F238E27FC236}">
-                <a16:creationId xmlns:a16="http://schemas.microsoft.com/office/drawing/2014/main" id="{32541AD8-D8C2-4E25-068E-7FCC766176EF}"/>
-              </a:ext>
-            </a:extLst>
-          </p:cNvPr>
-          <p:cNvSpPr txBox="1"/>
-          <p:nvPr/>
-        </p:nvSpPr>
-        <p:spPr>
-          <a:xfrm>
-            <a:off x="189153" y="590180"/>
-            <a:ext cx="9559023" cy="923330"/>
-          </a:xfrm>
-          <a:prstGeom prst="rect">
-            <a:avLst/>
-          </a:prstGeom>
-          <a:noFill/>
-        </p:spPr>
-        <p:txBody>
-          <a:bodyPr wrap="square">
-            <a:spAutoFit/>
-          </a:bodyPr>
-          <a:lstStyle/>
-          <a:p>
-            <a:r>
-              <a:rPr lang="it-IT" sz="5400" b="1" dirty="0">
-                <a:ln w="22225">
-                  <a:solidFill>
-                    <a:schemeClr val="accent6">
-                      <a:lumMod val="75000"/>
-                    </a:schemeClr>
-                  </a:solidFill>
-                  <a:prstDash val="solid"/>
-                </a:ln>
-                <a:solidFill>
-                  <a:srgbClr val="00B0F0"/>
-                </a:solidFill>
-              </a:rPr>
-              <a:t>F</a:t>
-            </a:r>
-            <a:r>
-              <a:rPr lang="en-GB" sz="5400" b="1" dirty="0">
-                <a:ln w="22225">
-                  <a:solidFill>
-                    <a:schemeClr val="accent6">
-                      <a:lumMod val="75000"/>
-                    </a:schemeClr>
-                  </a:solidFill>
-                  <a:prstDash val="solid"/>
-                </a:ln>
-                <a:solidFill>
-                  <a:srgbClr val="00B0F0"/>
-                </a:solidFill>
-              </a:rPr>
-              <a:t>ace identification approach</a:t>
-            </a:r>
-          </a:p>
-        </p:txBody>
-      </p:sp>
-      <p:pic>
-        <p:nvPicPr>
-          <p:cNvPr id="3" name="Immagine 2" descr="Automatic system for facial expression recognition based histogram of oriented  gradient and normalized cross correlation | Semantic Scholar">
-            <a:extLst>
-              <a:ext uri="{FF2B5EF4-FFF2-40B4-BE49-F238E27FC236}">
-                <a16:creationId xmlns:a16="http://schemas.microsoft.com/office/drawing/2014/main" id="{5C7978B8-A2D6-84C9-4DEC-40F9509E092F}"/>
-              </a:ext>
-            </a:extLst>
-          </p:cNvPr>
-          <p:cNvPicPr>
-            <a:picLocks noChangeAspect="1"/>
-          </p:cNvPicPr>
-          <p:nvPr/>
-        </p:nvPicPr>
-        <p:blipFill rotWithShape="1">
-          <a:blip r:embed="rId2">
-            <a:extLst>
-              <a:ext uri="{28A0092B-C50C-407E-A947-70E740481C1C}">
-                <a14:useLocalDpi xmlns:a14="http://schemas.microsoft.com/office/drawing/2010/main" val="0"/>
-              </a:ext>
-            </a:extLst>
-          </a:blip>
-          <a:srcRect l="4073" r="4905" b="5436"/>
-          <a:stretch/>
-        </p:blipFill>
-        <p:spPr bwMode="auto">
-          <a:xfrm>
-            <a:off x="8094853" y="1934059"/>
-            <a:ext cx="3634540" cy="4099255"/>
-          </a:xfrm>
-          <a:prstGeom prst="rect">
-            <a:avLst/>
-          </a:prstGeom>
-          <a:noFill/>
-          <a:ln>
-            <a:noFill/>
-          </a:ln>
-          <a:extLst>
-            <a:ext uri="{53640926-AAD7-44D8-BBD7-CCE9431645EC}">
-              <a14:shadowObscured xmlns:a14="http://schemas.microsoft.com/office/drawing/2010/main"/>
-            </a:ext>
-          </a:extLst>
-        </p:spPr>
-      </p:pic>
-      <p:sp>
-        <p:nvSpPr>
-          <p:cNvPr id="5" name="CasellaDiTesto 4">
-            <a:extLst>
-              <a:ext uri="{FF2B5EF4-FFF2-40B4-BE49-F238E27FC236}">
-                <a16:creationId xmlns:a16="http://schemas.microsoft.com/office/drawing/2014/main" id="{7CA6F454-E9D3-D6D7-1255-FC4E9B89583B}"/>
-              </a:ext>
-            </a:extLst>
-          </p:cNvPr>
-          <p:cNvSpPr txBox="1"/>
-          <p:nvPr/>
-        </p:nvSpPr>
-        <p:spPr>
-          <a:xfrm>
-            <a:off x="652066" y="1680357"/>
-            <a:ext cx="7177839" cy="1446550"/>
-          </a:xfrm>
-          <a:prstGeom prst="rect">
-            <a:avLst/>
-          </a:prstGeom>
-          <a:noFill/>
-        </p:spPr>
-        <p:txBody>
-          <a:bodyPr wrap="square">
-            <a:spAutoFit/>
-          </a:bodyPr>
-          <a:lstStyle/>
-          <a:p>
-            <a:pPr algn="just"/>
-            <a:r>
-              <a:rPr lang="en-GB" sz="2200" dirty="0" err="1">
-                <a:latin typeface="Times New Roman" panose="02020603050405020304" pitchFamily="18" charset="0"/>
-                <a:cs typeface="Times New Roman" panose="02020603050405020304" pitchFamily="18" charset="0"/>
-              </a:rPr>
-              <a:t>Face_recognition</a:t>
-            </a:r>
-            <a:r>
-              <a:rPr lang="en-GB" sz="2200" dirty="0">
-                <a:latin typeface="Times New Roman" panose="02020603050405020304" pitchFamily="18" charset="0"/>
-                <a:cs typeface="Times New Roman" panose="02020603050405020304" pitchFamily="18" charset="0"/>
-              </a:rPr>
-              <a:t> is a library in Python for face recognition tasks. This library employs the Histogram of Oriented Gradients (HOG) model for face detection, alignment, and recognition.</a:t>
-            </a:r>
-          </a:p>
-        </p:txBody>
-      </p:sp>
-      <p:sp>
-        <p:nvSpPr>
-          <p:cNvPr id="4" name="CasellaDiTesto 4">
-            <a:extLst>
-              <a:ext uri="{FF2B5EF4-FFF2-40B4-BE49-F238E27FC236}">
-                <a16:creationId xmlns:a16="http://schemas.microsoft.com/office/drawing/2014/main" id="{2869831A-06E2-1A7B-E0D8-E347DA6617FD}"/>
-              </a:ext>
-            </a:extLst>
-          </p:cNvPr>
-          <p:cNvSpPr txBox="1"/>
-          <p:nvPr/>
-        </p:nvSpPr>
-        <p:spPr>
-          <a:xfrm>
-            <a:off x="652065" y="3372610"/>
-            <a:ext cx="7177839" cy="1446550"/>
-          </a:xfrm>
-          <a:prstGeom prst="rect">
-            <a:avLst/>
-          </a:prstGeom>
-          <a:noFill/>
-        </p:spPr>
-        <p:txBody>
-          <a:bodyPr wrap="square">
-            <a:spAutoFit/>
-          </a:bodyPr>
-          <a:lstStyle/>
-          <a:p>
-            <a:pPr algn="just"/>
-            <a:r>
-              <a:rPr lang="en-GB" sz="2200" dirty="0">
-                <a:latin typeface="Times New Roman" panose="02020603050405020304" pitchFamily="18" charset="0"/>
-                <a:cs typeface="Times New Roman" panose="02020603050405020304" pitchFamily="18" charset="0"/>
-              </a:rPr>
-              <a:t>HOG is a feature descriptor used in computer vision, where the image is divided into cells, and histograms of gradient orientations are computed for each cell. These histograms are concatenated to form the descriptor.</a:t>
-            </a:r>
-          </a:p>
-        </p:txBody>
-      </p:sp>
-      <p:sp>
-        <p:nvSpPr>
-          <p:cNvPr id="6" name="CasellaDiTesto 4">
-            <a:extLst>
-              <a:ext uri="{FF2B5EF4-FFF2-40B4-BE49-F238E27FC236}">
-                <a16:creationId xmlns:a16="http://schemas.microsoft.com/office/drawing/2014/main" id="{01024328-469C-A4F4-FA4F-08D81619D3D1}"/>
-              </a:ext>
-            </a:extLst>
-          </p:cNvPr>
-          <p:cNvSpPr txBox="1"/>
-          <p:nvPr/>
-        </p:nvSpPr>
-        <p:spPr>
-          <a:xfrm>
-            <a:off x="652065" y="5064863"/>
-            <a:ext cx="7177839" cy="1446550"/>
-          </a:xfrm>
-          <a:prstGeom prst="rect">
-            <a:avLst/>
-          </a:prstGeom>
-          <a:noFill/>
-        </p:spPr>
-        <p:txBody>
-          <a:bodyPr wrap="square">
-            <a:spAutoFit/>
-          </a:bodyPr>
-          <a:lstStyle/>
-          <a:p>
-            <a:pPr algn="just"/>
-            <a:r>
-              <a:rPr lang="en-GB" sz="2200" dirty="0">
-                <a:latin typeface="Times New Roman" panose="02020603050405020304" pitchFamily="18" charset="0"/>
-                <a:cs typeface="Times New Roman" panose="02020603050405020304" pitchFamily="18" charset="0"/>
-              </a:rPr>
-              <a:t>The HOG descriptor offers advantages such as invariance to geometric and photometric transformations, except for changes in object orientation, making it effective for face recognition tasks.</a:t>
-            </a:r>
-          </a:p>
-        </p:txBody>
-      </p:sp>
-    </p:spTree>
-    <p:extLst>
-      <p:ext uri="{BB962C8B-B14F-4D97-AF65-F5344CB8AC3E}">
-        <p14:creationId xmlns:p14="http://schemas.microsoft.com/office/powerpoint/2010/main" val="2500065562"/>
-      </p:ext>
-    </p:extLst>
-  </p:cSld>
-  <p:clrMapOvr>
-    <a:masterClrMapping/>
-  </p:clrMapOvr>
-  <p:transition spd="slow">
-    <p:push dir="r"/>
-  </p:transition>
-  <p:timing>
-    <p:tnLst>
-      <p:par>
-        <p:cTn id="1" dur="indefinite" restart="never" nodeType="tmRoot">
-          <p:childTnLst>
-            <p:seq concurrent="1" nextAc="seek">
-              <p:cTn id="2" dur="indefinite" nodeType="mainSeq">
-                <p:childTnLst>
-                  <p:par>
-                    <p:cTn id="3" fill="hold">
-                      <p:stCondLst>
-                        <p:cond delay="indefinite"/>
-                        <p:cond evt="onBegin" delay="0">
-                          <p:tn val="2"/>
-                        </p:cond>
-                      </p:stCondLst>
-                      <p:childTnLst>
-                        <p:par>
-                          <p:cTn id="4" fill="hold">
-                            <p:stCondLst>
-                              <p:cond delay="0"/>
-                            </p:stCondLst>
-                            <p:childTnLst>
-                              <p:par>
-                                <p:cTn id="5" presetID="22" presetClass="entr" presetSubtype="1" fill="hold" grpId="0" nodeType="withEffect">
-                                  <p:stCondLst>
-                                    <p:cond delay="0"/>
-                                  </p:stCondLst>
-                                  <p:childTnLst>
-                                    <p:set>
-                                      <p:cBhvr>
-                                        <p:cTn id="6" dur="1" fill="hold">
-                                          <p:stCondLst>
-                                            <p:cond delay="0"/>
-                                          </p:stCondLst>
-                                        </p:cTn>
-                                        <p:tgtEl>
-                                          <p:spTgt spid="5"/>
-                                        </p:tgtEl>
-                                        <p:attrNameLst>
-                                          <p:attrName>style.visibility</p:attrName>
-                                        </p:attrNameLst>
-                                      </p:cBhvr>
-                                      <p:to>
-                                        <p:strVal val="visible"/>
-                                      </p:to>
-                                    </p:set>
-                                    <p:animEffect transition="in" filter="wipe(up)">
-                                      <p:cBhvr>
-                                        <p:cTn id="7" dur="750"/>
-                                        <p:tgtEl>
-                                          <p:spTgt spid="5"/>
-                                        </p:tgtEl>
-                                      </p:cBhvr>
-                                    </p:animEffect>
-                                  </p:childTnLst>
-                                </p:cTn>
-                              </p:par>
-                              <p:par>
-                                <p:cTn id="8" presetID="22" presetClass="entr" presetSubtype="1" fill="hold" grpId="0" nodeType="withEffect">
-                                  <p:stCondLst>
-                                    <p:cond delay="750"/>
-                                  </p:stCondLst>
-                                  <p:childTnLst>
-                                    <p:set>
-                                      <p:cBhvr>
-                                        <p:cTn id="9" dur="1" fill="hold">
-                                          <p:stCondLst>
-                                            <p:cond delay="0"/>
-                                          </p:stCondLst>
-                                        </p:cTn>
-                                        <p:tgtEl>
-                                          <p:spTgt spid="4"/>
-                                        </p:tgtEl>
-                                        <p:attrNameLst>
-                                          <p:attrName>style.visibility</p:attrName>
-                                        </p:attrNameLst>
-                                      </p:cBhvr>
-                                      <p:to>
-                                        <p:strVal val="visible"/>
-                                      </p:to>
-                                    </p:set>
-                                    <p:animEffect transition="in" filter="wipe(up)">
-                                      <p:cBhvr>
-                                        <p:cTn id="10" dur="750"/>
-                                        <p:tgtEl>
-                                          <p:spTgt spid="4"/>
-                                        </p:tgtEl>
-                                      </p:cBhvr>
-                                    </p:animEffect>
-                                  </p:childTnLst>
-                                </p:cTn>
-                              </p:par>
-                              <p:par>
-                                <p:cTn id="11" presetID="22" presetClass="entr" presetSubtype="1" fill="hold" grpId="0" nodeType="withEffect">
-                                  <p:stCondLst>
-                                    <p:cond delay="1500"/>
-                                  </p:stCondLst>
-                                  <p:childTnLst>
-                                    <p:set>
-                                      <p:cBhvr>
-                                        <p:cTn id="12" dur="1" fill="hold">
-                                          <p:stCondLst>
-                                            <p:cond delay="0"/>
-                                          </p:stCondLst>
-                                        </p:cTn>
-                                        <p:tgtEl>
-                                          <p:spTgt spid="6"/>
-                                        </p:tgtEl>
-                                        <p:attrNameLst>
-                                          <p:attrName>style.visibility</p:attrName>
-                                        </p:attrNameLst>
-                                      </p:cBhvr>
-                                      <p:to>
-                                        <p:strVal val="visible"/>
-                                      </p:to>
-                                    </p:set>
-                                    <p:animEffect transition="in" filter="wipe(up)">
-                                      <p:cBhvr>
-                                        <p:cTn id="13" dur="750"/>
-                                        <p:tgtEl>
-                                          <p:spTgt spid="6"/>
-                                        </p:tgtEl>
-                                      </p:cBhvr>
-                                    </p:animEffect>
-                                  </p:childTnLst>
-                                </p:cTn>
-                              </p:par>
-                            </p:childTnLst>
-                          </p:cTn>
-                        </p:par>
-                      </p:childTnLst>
-                    </p:cTn>
-                  </p:par>
-                </p:childTnLst>
-              </p:cTn>
-              <p:prevCondLst>
-                <p:cond evt="onPrev" delay="0">
-                  <p:tgtEl>
-                    <p:sldTgt/>
-                  </p:tgtEl>
-                </p:cond>
-              </p:prevCondLst>
-              <p:nextCondLst>
-                <p:cond evt="onNext" delay="0">
-                  <p:tgtEl>
-                    <p:sldTgt/>
-                  </p:tgtEl>
-                </p:cond>
-              </p:nextCondLst>
-            </p:seq>
-          </p:childTnLst>
-        </p:cTn>
-      </p:par>
-    </p:tnLst>
-    <p:bldLst>
-      <p:bldP spid="5" grpId="0"/>
-      <p:bldP spid="4" grpId="0"/>
-      <p:bldP spid="6" grpId="0"/>
-    </p:bldLst>
-  </p:timing>
-</p:sld>
-</file>
-
-<file path=ppt/slides/slide7.xml><?xml version="1.0" encoding="utf-8"?>
+<file path=ppt/slides/slide3.xml><?xml version="1.0" encoding="utf-8"?>
 <p:sld xmlns:a="http://schemas.openxmlformats.org/drawingml/2006/main" xmlns:r="http://schemas.openxmlformats.org/officeDocument/2006/relationships" xmlns:p="http://schemas.openxmlformats.org/presentationml/2006/main">
   <p:cSld>
     <p:spTree>
@@ -10968,7 +9017,2068 @@
 </p:sld>
 </file>
 
+<file path=ppt/slides/slide4.xml><?xml version="1.0" encoding="utf-8"?>
+<p:sld xmlns:a="http://schemas.openxmlformats.org/drawingml/2006/main" xmlns:r="http://schemas.openxmlformats.org/officeDocument/2006/relationships" xmlns:p="http://schemas.openxmlformats.org/presentationml/2006/main">
+  <p:cSld>
+    <p:spTree>
+      <p:nvGrpSpPr>
+        <p:cNvPr id="1" name=""/>
+        <p:cNvGrpSpPr/>
+        <p:nvPr/>
+      </p:nvGrpSpPr>
+      <p:grpSpPr>
+        <a:xfrm>
+          <a:off x="0" y="0"/>
+          <a:ext cx="0" cy="0"/>
+          <a:chOff x="0" y="0"/>
+          <a:chExt cx="0" cy="0"/>
+        </a:xfrm>
+      </p:grpSpPr>
+      <p:sp>
+        <p:nvSpPr>
+          <p:cNvPr id="3" name="CasellaDiTesto 2">
+            <a:extLst>
+              <a:ext uri="{FF2B5EF4-FFF2-40B4-BE49-F238E27FC236}">
+                <a16:creationId xmlns:a16="http://schemas.microsoft.com/office/drawing/2014/main" id="{69AFDD4B-8396-7156-A0D6-22BD0BA73C08}"/>
+              </a:ext>
+            </a:extLst>
+          </p:cNvPr>
+          <p:cNvSpPr txBox="1"/>
+          <p:nvPr/>
+        </p:nvSpPr>
+        <p:spPr>
+          <a:xfrm>
+            <a:off x="5249944" y="302885"/>
+            <a:ext cx="5850730" cy="1015663"/>
+          </a:xfrm>
+          <a:prstGeom prst="rect">
+            <a:avLst/>
+          </a:prstGeom>
+          <a:noFill/>
+        </p:spPr>
+        <p:txBody>
+          <a:bodyPr wrap="square">
+            <a:spAutoFit/>
+          </a:bodyPr>
+          <a:lstStyle/>
+          <a:p>
+            <a:r>
+              <a:rPr lang="en-GB" sz="6000" b="1" dirty="0">
+                <a:ln w="22225">
+                  <a:solidFill>
+                    <a:schemeClr val="accent6">
+                      <a:lumMod val="75000"/>
+                    </a:schemeClr>
+                  </a:solidFill>
+                  <a:prstDash val="solid"/>
+                </a:ln>
+                <a:solidFill>
+                  <a:srgbClr val="00B0F0"/>
+                </a:solidFill>
+              </a:rPr>
+              <a:t>Iris Recognition</a:t>
+            </a:r>
+          </a:p>
+        </p:txBody>
+      </p:sp>
+      <p:sp>
+        <p:nvSpPr>
+          <p:cNvPr id="5" name="CasellaDiTesto 4">
+            <a:extLst>
+              <a:ext uri="{FF2B5EF4-FFF2-40B4-BE49-F238E27FC236}">
+                <a16:creationId xmlns:a16="http://schemas.microsoft.com/office/drawing/2014/main" id="{F121A778-FDA6-9F65-4DDB-2AB32D5E8177}"/>
+              </a:ext>
+            </a:extLst>
+          </p:cNvPr>
+          <p:cNvSpPr txBox="1"/>
+          <p:nvPr/>
+        </p:nvSpPr>
+        <p:spPr>
+          <a:xfrm>
+            <a:off x="5064556" y="1572574"/>
+            <a:ext cx="6221506" cy="4832092"/>
+          </a:xfrm>
+          <a:prstGeom prst="rect">
+            <a:avLst/>
+          </a:prstGeom>
+          <a:solidFill>
+            <a:schemeClr val="bg1"/>
+          </a:solidFill>
+          <a:effectLst>
+            <a:innerShdw blurRad="152400" dist="25400">
+              <a:schemeClr val="accent6">
+                <a:alpha val="70000"/>
+              </a:schemeClr>
+            </a:innerShdw>
+            <a:softEdge rad="0"/>
+          </a:effectLst>
+        </p:spPr>
+        <p:txBody>
+          <a:bodyPr wrap="square">
+            <a:spAutoFit/>
+          </a:bodyPr>
+          <a:lstStyle/>
+          <a:p>
+            <a:pPr algn="just"/>
+            <a:r>
+              <a:rPr lang="en-GB" sz="2200" dirty="0">
+                <a:latin typeface="Times New Roman" panose="02020603050405020304" pitchFamily="18" charset="0"/>
+                <a:cs typeface="Times New Roman" panose="02020603050405020304" pitchFamily="18" charset="0"/>
+              </a:rPr>
+              <a:t>Iris recognition is a cutting-edge biometric technology that uses the unique and complex patterns of the human iris to identify individuals. </a:t>
+            </a:r>
+          </a:p>
+          <a:p>
+            <a:pPr algn="just"/>
+            <a:endParaRPr lang="en-GB" sz="2200" dirty="0">
+              <a:latin typeface="Times New Roman" panose="02020603050405020304" pitchFamily="18" charset="0"/>
+              <a:cs typeface="Times New Roman" panose="02020603050405020304" pitchFamily="18" charset="0"/>
+            </a:endParaRPr>
+          </a:p>
+          <a:p>
+            <a:pPr algn="just"/>
+            <a:r>
+              <a:rPr lang="en-GB" sz="2200" dirty="0">
+                <a:latin typeface="Times New Roman" panose="02020603050405020304" pitchFamily="18" charset="0"/>
+                <a:cs typeface="Times New Roman" panose="02020603050405020304" pitchFamily="18" charset="0"/>
+              </a:rPr>
+              <a:t>Iris recognition focuses on capturing and analysing the unique patterns of the iris to establish a person's identity, offering a non-intrusive and efficient means of biometric authentication.</a:t>
+            </a:r>
+          </a:p>
+          <a:p>
+            <a:pPr algn="just"/>
+            <a:endParaRPr lang="en-GB" sz="2200" dirty="0">
+              <a:latin typeface="Times New Roman" panose="02020603050405020304" pitchFamily="18" charset="0"/>
+              <a:cs typeface="Times New Roman" panose="02020603050405020304" pitchFamily="18" charset="0"/>
+            </a:endParaRPr>
+          </a:p>
+          <a:p>
+            <a:pPr algn="just"/>
+            <a:r>
+              <a:rPr lang="en-GB" sz="2200" dirty="0">
+                <a:latin typeface="Times New Roman" panose="02020603050405020304" pitchFamily="18" charset="0"/>
+                <a:cs typeface="Times New Roman" panose="02020603050405020304" pitchFamily="18" charset="0"/>
+              </a:rPr>
+              <a:t>The </a:t>
+            </a:r>
+            <a:r>
+              <a:rPr lang="en-GB" sz="2200" dirty="0" err="1">
+                <a:latin typeface="Times New Roman" panose="02020603050405020304" pitchFamily="18" charset="0"/>
+                <a:cs typeface="Times New Roman" panose="02020603050405020304" pitchFamily="18" charset="0"/>
+              </a:rPr>
+              <a:t>Daugman</a:t>
+            </a:r>
+            <a:r>
+              <a:rPr lang="en-GB" sz="2200" dirty="0">
+                <a:latin typeface="Times New Roman" panose="02020603050405020304" pitchFamily="18" charset="0"/>
+                <a:cs typeface="Times New Roman" panose="02020603050405020304" pitchFamily="18" charset="0"/>
+              </a:rPr>
+              <a:t> method, introduced in the 1990s, involves normalization using Rubber Sheet Model. This method has proven to be highly accurate and robust, capable of handling variations in lighting conditions and other environmental factors.</a:t>
+            </a:r>
+          </a:p>
+        </p:txBody>
+      </p:sp>
+      <p:pic>
+        <p:nvPicPr>
+          <p:cNvPr id="13" name="Immagine 12">
+            <a:extLst>
+              <a:ext uri="{FF2B5EF4-FFF2-40B4-BE49-F238E27FC236}">
+                <a16:creationId xmlns:a16="http://schemas.microsoft.com/office/drawing/2014/main" id="{AA8792E9-A03B-E69E-7EC8-E81FD1AF53F7}"/>
+              </a:ext>
+            </a:extLst>
+          </p:cNvPr>
+          <p:cNvPicPr>
+            <a:picLocks noChangeAspect="1"/>
+          </p:cNvPicPr>
+          <p:nvPr/>
+        </p:nvPicPr>
+        <p:blipFill>
+          <a:blip r:embed="rId2"/>
+          <a:stretch>
+            <a:fillRect/>
+          </a:stretch>
+        </p:blipFill>
+        <p:spPr>
+          <a:xfrm>
+            <a:off x="0" y="0"/>
+            <a:ext cx="4325420" cy="6859139"/>
+          </a:xfrm>
+          <a:prstGeom prst="rect">
+            <a:avLst/>
+          </a:prstGeom>
+        </p:spPr>
+      </p:pic>
+    </p:spTree>
+    <p:extLst>
+      <p:ext uri="{BB962C8B-B14F-4D97-AF65-F5344CB8AC3E}">
+        <p14:creationId xmlns:p14="http://schemas.microsoft.com/office/powerpoint/2010/main" val="3335495054"/>
+      </p:ext>
+    </p:extLst>
+  </p:cSld>
+  <p:clrMapOvr>
+    <a:masterClrMapping/>
+  </p:clrMapOvr>
+  <p:transition spd="slow">
+    <p:push dir="u"/>
+  </p:transition>
+</p:sld>
+</file>
+
+<file path=ppt/slides/slide5.xml><?xml version="1.0" encoding="utf-8"?>
+<p:sld xmlns:a="http://schemas.openxmlformats.org/drawingml/2006/main" xmlns:r="http://schemas.openxmlformats.org/officeDocument/2006/relationships" xmlns:p="http://schemas.openxmlformats.org/presentationml/2006/main">
+  <p:cSld>
+    <p:spTree>
+      <p:nvGrpSpPr>
+        <p:cNvPr id="1" name=""/>
+        <p:cNvGrpSpPr/>
+        <p:nvPr/>
+      </p:nvGrpSpPr>
+      <p:grpSpPr>
+        <a:xfrm>
+          <a:off x="0" y="0"/>
+          <a:ext cx="0" cy="0"/>
+          <a:chOff x="0" y="0"/>
+          <a:chExt cx="0" cy="0"/>
+        </a:xfrm>
+      </p:grpSpPr>
+      <p:pic>
+        <p:nvPicPr>
+          <p:cNvPr id="12" name="Picture 6">
+            <a:extLst>
+              <a:ext uri="{FF2B5EF4-FFF2-40B4-BE49-F238E27FC236}">
+                <a16:creationId xmlns:a16="http://schemas.microsoft.com/office/drawing/2014/main" id="{FB63FD6A-633F-7A82-7DF4-79746A4DE836}"/>
+              </a:ext>
+            </a:extLst>
+          </p:cNvPr>
+          <p:cNvPicPr>
+            <a:picLocks noChangeAspect="1"/>
+          </p:cNvPicPr>
+          <p:nvPr/>
+        </p:nvPicPr>
+        <p:blipFill rotWithShape="1">
+          <a:blip r:embed="rId2">
+            <a:extLst>
+              <a:ext uri="{28A0092B-C50C-407E-A947-70E740481C1C}">
+                <a14:useLocalDpi xmlns:a14="http://schemas.microsoft.com/office/drawing/2010/main" val="0"/>
+              </a:ext>
+            </a:extLst>
+          </a:blip>
+          <a:srcRect l="330" t="23413" r="-1" b="209"/>
+          <a:stretch/>
+        </p:blipFill>
+        <p:spPr bwMode="auto">
+          <a:xfrm>
+            <a:off x="4915788" y="5084088"/>
+            <a:ext cx="2401200" cy="604051"/>
+          </a:xfrm>
+          <a:prstGeom prst="rect">
+            <a:avLst/>
+          </a:prstGeom>
+          <a:ln>
+            <a:noFill/>
+          </a:ln>
+          <a:effectLst>
+            <a:outerShdw blurRad="292100" dist="139700" dir="2700000" algn="tl" rotWithShape="0">
+              <a:srgbClr val="333333">
+                <a:alpha val="65000"/>
+              </a:srgbClr>
+            </a:outerShdw>
+          </a:effectLst>
+          <a:extLst>
+            <a:ext uri="{53640926-AAD7-44D8-BBD7-CCE9431645EC}">
+              <a14:shadowObscured xmlns:a14="http://schemas.microsoft.com/office/drawing/2010/main"/>
+            </a:ext>
+          </a:extLst>
+        </p:spPr>
+      </p:pic>
+      <p:pic>
+        <p:nvPicPr>
+          <p:cNvPr id="15" name="Immagine 14">
+            <a:extLst>
+              <a:ext uri="{FF2B5EF4-FFF2-40B4-BE49-F238E27FC236}">
+                <a16:creationId xmlns:a16="http://schemas.microsoft.com/office/drawing/2014/main" id="{8F510EBF-B235-5ED8-B3C3-551E941C2376}"/>
+              </a:ext>
+            </a:extLst>
+          </p:cNvPr>
+          <p:cNvPicPr>
+            <a:picLocks noChangeAspect="1"/>
+          </p:cNvPicPr>
+          <p:nvPr/>
+        </p:nvPicPr>
+        <p:blipFill>
+          <a:blip r:embed="rId3"/>
+          <a:stretch>
+            <a:fillRect/>
+          </a:stretch>
+        </p:blipFill>
+        <p:spPr>
+          <a:xfrm>
+            <a:off x="7658558" y="2995803"/>
+            <a:ext cx="2579406" cy="1485381"/>
+          </a:xfrm>
+          <a:prstGeom prst="rect">
+            <a:avLst/>
+          </a:prstGeom>
+        </p:spPr>
+      </p:pic>
+      <p:pic>
+        <p:nvPicPr>
+          <p:cNvPr id="8" name="Immagine 7">
+            <a:extLst>
+              <a:ext uri="{FF2B5EF4-FFF2-40B4-BE49-F238E27FC236}">
+                <a16:creationId xmlns:a16="http://schemas.microsoft.com/office/drawing/2014/main" id="{714A63C0-60A8-95B8-0172-5167869630BC}"/>
+              </a:ext>
+            </a:extLst>
+          </p:cNvPr>
+          <p:cNvPicPr>
+            <a:picLocks noChangeAspect="1"/>
+          </p:cNvPicPr>
+          <p:nvPr/>
+        </p:nvPicPr>
+        <p:blipFill rotWithShape="1">
+          <a:blip r:embed="rId4">
+            <a:alphaModFix/>
+          </a:blip>
+          <a:srcRect l="1779" t="14283" r="4486" b="51814"/>
+          <a:stretch/>
+        </p:blipFill>
+        <p:spPr bwMode="auto">
+          <a:xfrm>
+            <a:off x="173847" y="1279789"/>
+            <a:ext cx="11844300" cy="1121093"/>
+          </a:xfrm>
+          <a:prstGeom prst="roundRect">
+            <a:avLst>
+              <a:gd name="adj" fmla="val 8594"/>
+            </a:avLst>
+          </a:prstGeom>
+          <a:solidFill>
+            <a:srgbClr val="FFFFFF">
+              <a:shade val="85000"/>
+            </a:srgbClr>
+          </a:solidFill>
+          <a:ln>
+            <a:noFill/>
+          </a:ln>
+          <a:effectLst>
+            <a:reflection blurRad="12700" stA="38000" endPos="28000" dist="5000" dir="5400000" sy="-100000" algn="bl" rotWithShape="0"/>
+          </a:effectLst>
+          <a:extLst>
+            <a:ext uri="{53640926-AAD7-44D8-BBD7-CCE9431645EC}">
+              <a14:shadowObscured xmlns:a14="http://schemas.microsoft.com/office/drawing/2010/main"/>
+            </a:ext>
+          </a:extLst>
+        </p:spPr>
+      </p:pic>
+      <p:pic>
+        <p:nvPicPr>
+          <p:cNvPr id="4" name="Picture 2">
+            <a:extLst>
+              <a:ext uri="{FF2B5EF4-FFF2-40B4-BE49-F238E27FC236}">
+                <a16:creationId xmlns:a16="http://schemas.microsoft.com/office/drawing/2014/main" id="{5ECFF7BB-CCA5-85C0-D75C-CEFA557C5D3C}"/>
+              </a:ext>
+            </a:extLst>
+          </p:cNvPr>
+          <p:cNvPicPr>
+            <a:picLocks noChangeAspect="1"/>
+          </p:cNvPicPr>
+          <p:nvPr/>
+        </p:nvPicPr>
+        <p:blipFill rotWithShape="1">
+          <a:blip r:embed="rId5" cstate="print">
+            <a:extLst>
+              <a:ext uri="{28A0092B-C50C-407E-A947-70E740481C1C}">
+                <a14:useLocalDpi xmlns:a14="http://schemas.microsoft.com/office/drawing/2010/main" val="0"/>
+              </a:ext>
+            </a:extLst>
+          </a:blip>
+          <a:srcRect l="1568" t="9163" r="1" b="1363"/>
+          <a:stretch/>
+        </p:blipFill>
+        <p:spPr bwMode="auto">
+          <a:xfrm>
+            <a:off x="278956" y="2458361"/>
+            <a:ext cx="1761370" cy="1529430"/>
+          </a:xfrm>
+          <a:prstGeom prst="rect">
+            <a:avLst/>
+          </a:prstGeom>
+          <a:ln>
+            <a:noFill/>
+          </a:ln>
+          <a:effectLst>
+            <a:outerShdw blurRad="292100" dist="139700" dir="2700000" algn="tl" rotWithShape="0">
+              <a:srgbClr val="333333">
+                <a:alpha val="65000"/>
+              </a:srgbClr>
+            </a:outerShdw>
+          </a:effectLst>
+          <a:extLst>
+            <a:ext uri="{53640926-AAD7-44D8-BBD7-CCE9431645EC}">
+              <a14:shadowObscured xmlns:a14="http://schemas.microsoft.com/office/drawing/2010/main"/>
+            </a:ext>
+          </a:extLst>
+        </p:spPr>
+      </p:pic>
+      <p:pic>
+        <p:nvPicPr>
+          <p:cNvPr id="6" name="Picture 1">
+            <a:extLst>
+              <a:ext uri="{FF2B5EF4-FFF2-40B4-BE49-F238E27FC236}">
+                <a16:creationId xmlns:a16="http://schemas.microsoft.com/office/drawing/2014/main" id="{9CDF27F2-5D84-70C9-E079-2F6451A91EDF}"/>
+              </a:ext>
+            </a:extLst>
+          </p:cNvPr>
+          <p:cNvPicPr>
+            <a:picLocks noChangeAspect="1"/>
+          </p:cNvPicPr>
+          <p:nvPr/>
+        </p:nvPicPr>
+        <p:blipFill rotWithShape="1">
+          <a:blip r:embed="rId6">
+            <a:extLst>
+              <a:ext uri="{28A0092B-C50C-407E-A947-70E740481C1C}">
+                <a14:useLocalDpi xmlns:a14="http://schemas.microsoft.com/office/drawing/2010/main" val="0"/>
+              </a:ext>
+            </a:extLst>
+          </a:blip>
+          <a:srcRect l="649" t="9612" r="2514" b="16429"/>
+          <a:stretch/>
+        </p:blipFill>
+        <p:spPr bwMode="auto">
+          <a:xfrm>
+            <a:off x="2719444" y="2515129"/>
+            <a:ext cx="1903909" cy="1410068"/>
+          </a:xfrm>
+          <a:prstGeom prst="rect">
+            <a:avLst/>
+          </a:prstGeom>
+          <a:ln>
+            <a:noFill/>
+          </a:ln>
+          <a:effectLst>
+            <a:outerShdw blurRad="292100" dist="139700" dir="2700000" algn="tl" rotWithShape="0">
+              <a:srgbClr val="333333">
+                <a:alpha val="65000"/>
+              </a:srgbClr>
+            </a:outerShdw>
+          </a:effectLst>
+          <a:extLst>
+            <a:ext uri="{53640926-AAD7-44D8-BBD7-CCE9431645EC}">
+              <a14:shadowObscured xmlns:a14="http://schemas.microsoft.com/office/drawing/2010/main"/>
+            </a:ext>
+          </a:extLst>
+        </p:spPr>
+      </p:pic>
+      <p:pic>
+        <p:nvPicPr>
+          <p:cNvPr id="10" name="Picture 3">
+            <a:extLst>
+              <a:ext uri="{FF2B5EF4-FFF2-40B4-BE49-F238E27FC236}">
+                <a16:creationId xmlns:a16="http://schemas.microsoft.com/office/drawing/2014/main" id="{65F3721C-414E-77C2-393B-735A966C0B4B}"/>
+              </a:ext>
+            </a:extLst>
+          </p:cNvPr>
+          <p:cNvPicPr>
+            <a:picLocks noChangeAspect="1"/>
+          </p:cNvPicPr>
+          <p:nvPr/>
+        </p:nvPicPr>
+        <p:blipFill rotWithShape="1">
+          <a:blip r:embed="rId7" cstate="print">
+            <a:extLst>
+              <a:ext uri="{28A0092B-C50C-407E-A947-70E740481C1C}">
+                <a14:useLocalDpi xmlns:a14="http://schemas.microsoft.com/office/drawing/2010/main" val="0"/>
+              </a:ext>
+            </a:extLst>
+          </a:blip>
+          <a:srcRect t="11881" r="15959" b="1732"/>
+          <a:stretch/>
+        </p:blipFill>
+        <p:spPr bwMode="auto">
+          <a:xfrm>
+            <a:off x="2719443" y="4417322"/>
+            <a:ext cx="1903909" cy="1897499"/>
+          </a:xfrm>
+          <a:prstGeom prst="rect">
+            <a:avLst/>
+          </a:prstGeom>
+          <a:ln>
+            <a:noFill/>
+          </a:ln>
+          <a:effectLst>
+            <a:outerShdw blurRad="292100" dist="139700" dir="2700000" algn="tl" rotWithShape="0">
+              <a:srgbClr val="333333">
+                <a:alpha val="65000"/>
+              </a:srgbClr>
+            </a:outerShdw>
+          </a:effectLst>
+          <a:extLst>
+            <a:ext uri="{53640926-AAD7-44D8-BBD7-CCE9431645EC}">
+              <a14:shadowObscured xmlns:a14="http://schemas.microsoft.com/office/drawing/2010/main"/>
+            </a:ext>
+          </a:extLst>
+        </p:spPr>
+      </p:pic>
+      <p:pic>
+        <p:nvPicPr>
+          <p:cNvPr id="17" name="Picture 4">
+            <a:extLst>
+              <a:ext uri="{FF2B5EF4-FFF2-40B4-BE49-F238E27FC236}">
+                <a16:creationId xmlns:a16="http://schemas.microsoft.com/office/drawing/2014/main" id="{254A2C92-16EB-986B-E0A1-C7EA92609316}"/>
+              </a:ext>
+            </a:extLst>
+          </p:cNvPr>
+          <p:cNvPicPr>
+            <a:picLocks noChangeAspect="1"/>
+          </p:cNvPicPr>
+          <p:nvPr/>
+        </p:nvPicPr>
+        <p:blipFill rotWithShape="1">
+          <a:blip r:embed="rId8">
+            <a:extLst>
+              <a:ext uri="{28A0092B-C50C-407E-A947-70E740481C1C}">
+                <a14:useLocalDpi xmlns:a14="http://schemas.microsoft.com/office/drawing/2010/main" val="0"/>
+              </a:ext>
+            </a:extLst>
+          </a:blip>
+          <a:srcRect t="25246"/>
+          <a:stretch/>
+        </p:blipFill>
+        <p:spPr bwMode="auto">
+          <a:xfrm>
+            <a:off x="4896212" y="2502148"/>
+            <a:ext cx="2399571" cy="656697"/>
+          </a:xfrm>
+          <a:prstGeom prst="rect">
+            <a:avLst/>
+          </a:prstGeom>
+          <a:ln>
+            <a:noFill/>
+          </a:ln>
+          <a:effectLst>
+            <a:outerShdw blurRad="292100" dist="139700" dir="2700000" algn="tl" rotWithShape="0">
+              <a:srgbClr val="333333">
+                <a:alpha val="65000"/>
+              </a:srgbClr>
+            </a:outerShdw>
+          </a:effectLst>
+          <a:extLst>
+            <a:ext uri="{53640926-AAD7-44D8-BBD7-CCE9431645EC}">
+              <a14:shadowObscured xmlns:a14="http://schemas.microsoft.com/office/drawing/2010/main"/>
+            </a:ext>
+          </a:extLst>
+        </p:spPr>
+      </p:pic>
+      <p:pic>
+        <p:nvPicPr>
+          <p:cNvPr id="18" name="Picture 5">
+            <a:extLst>
+              <a:ext uri="{FF2B5EF4-FFF2-40B4-BE49-F238E27FC236}">
+                <a16:creationId xmlns:a16="http://schemas.microsoft.com/office/drawing/2014/main" id="{ED0ACD28-F363-DCAC-4276-DF5374CC624C}"/>
+              </a:ext>
+            </a:extLst>
+          </p:cNvPr>
+          <p:cNvPicPr>
+            <a:picLocks noChangeAspect="1"/>
+          </p:cNvPicPr>
+          <p:nvPr/>
+        </p:nvPicPr>
+        <p:blipFill rotWithShape="1">
+          <a:blip r:embed="rId9">
+            <a:extLst>
+              <a:ext uri="{28A0092B-C50C-407E-A947-70E740481C1C}">
+                <a14:useLocalDpi xmlns:a14="http://schemas.microsoft.com/office/drawing/2010/main" val="0"/>
+              </a:ext>
+            </a:extLst>
+          </a:blip>
+          <a:srcRect t="25246"/>
+          <a:stretch/>
+        </p:blipFill>
+        <p:spPr bwMode="auto">
+          <a:xfrm>
+            <a:off x="4896212" y="3379056"/>
+            <a:ext cx="2399571" cy="656683"/>
+          </a:xfrm>
+          <a:prstGeom prst="rect">
+            <a:avLst/>
+          </a:prstGeom>
+          <a:ln>
+            <a:noFill/>
+          </a:ln>
+          <a:effectLst>
+            <a:outerShdw blurRad="292100" dist="139700" dir="2700000" algn="tl" rotWithShape="0">
+              <a:srgbClr val="333333">
+                <a:alpha val="65000"/>
+              </a:srgbClr>
+            </a:outerShdw>
+          </a:effectLst>
+          <a:extLst>
+            <a:ext uri="{53640926-AAD7-44D8-BBD7-CCE9431645EC}">
+              <a14:shadowObscured xmlns:a14="http://schemas.microsoft.com/office/drawing/2010/main"/>
+            </a:ext>
+          </a:extLst>
+        </p:spPr>
+      </p:pic>
+      <p:pic>
+        <p:nvPicPr>
+          <p:cNvPr id="19" name="Picture 6">
+            <a:extLst>
+              <a:ext uri="{FF2B5EF4-FFF2-40B4-BE49-F238E27FC236}">
+                <a16:creationId xmlns:a16="http://schemas.microsoft.com/office/drawing/2014/main" id="{D890EED4-0A01-8263-71FA-993E48529F06}"/>
+              </a:ext>
+            </a:extLst>
+          </p:cNvPr>
+          <p:cNvPicPr>
+            <a:picLocks noChangeAspect="1"/>
+          </p:cNvPicPr>
+          <p:nvPr/>
+        </p:nvPicPr>
+        <p:blipFill rotWithShape="1">
+          <a:blip r:embed="rId10">
+            <a:extLst>
+              <a:ext uri="{28A0092B-C50C-407E-A947-70E740481C1C}">
+                <a14:useLocalDpi xmlns:a14="http://schemas.microsoft.com/office/drawing/2010/main" val="0"/>
+              </a:ext>
+            </a:extLst>
+          </a:blip>
+          <a:srcRect t="24930"/>
+          <a:stretch/>
+        </p:blipFill>
+        <p:spPr bwMode="auto">
+          <a:xfrm>
+            <a:off x="4896211" y="4255950"/>
+            <a:ext cx="2399571" cy="657278"/>
+          </a:xfrm>
+          <a:prstGeom prst="rect">
+            <a:avLst/>
+          </a:prstGeom>
+          <a:ln>
+            <a:noFill/>
+          </a:ln>
+          <a:effectLst>
+            <a:outerShdw blurRad="292100" dist="139700" dir="2700000" algn="tl" rotWithShape="0">
+              <a:srgbClr val="333333">
+                <a:alpha val="65000"/>
+              </a:srgbClr>
+            </a:outerShdw>
+          </a:effectLst>
+          <a:extLst>
+            <a:ext uri="{53640926-AAD7-44D8-BBD7-CCE9431645EC}">
+              <a14:shadowObscured xmlns:a14="http://schemas.microsoft.com/office/drawing/2010/main"/>
+            </a:ext>
+          </a:extLst>
+        </p:spPr>
+      </p:pic>
+      <p:sp>
+        <p:nvSpPr>
+          <p:cNvPr id="9" name="Rectangle 8">
+            <a:extLst>
+              <a:ext uri="{FF2B5EF4-FFF2-40B4-BE49-F238E27FC236}">
+                <a16:creationId xmlns:a16="http://schemas.microsoft.com/office/drawing/2014/main" id="{073370F1-DB75-8447-1B5D-83DD9515F012}"/>
+              </a:ext>
+            </a:extLst>
+          </p:cNvPr>
+          <p:cNvSpPr/>
+          <p:nvPr/>
+        </p:nvSpPr>
+        <p:spPr>
+          <a:xfrm>
+            <a:off x="2150771" y="0"/>
+            <a:ext cx="10041229" cy="6858000"/>
+          </a:xfrm>
+          <a:prstGeom prst="rect">
+            <a:avLst/>
+          </a:prstGeom>
+          <a:solidFill>
+            <a:schemeClr val="bg1"/>
+          </a:solidFill>
+          <a:ln>
+            <a:solidFill>
+              <a:schemeClr val="bg1"/>
+            </a:solidFill>
+          </a:ln>
+          <a:effectLst>
+            <a:softEdge rad="63500"/>
+          </a:effectLst>
+        </p:spPr>
+        <p:style>
+          <a:lnRef idx="2">
+            <a:schemeClr val="accent1">
+              <a:shade val="15000"/>
+            </a:schemeClr>
+          </a:lnRef>
+          <a:fillRef idx="1">
+            <a:schemeClr val="accent1"/>
+          </a:fillRef>
+          <a:effectRef idx="0">
+            <a:schemeClr val="accent1"/>
+          </a:effectRef>
+          <a:fontRef idx="minor">
+            <a:schemeClr val="lt1"/>
+          </a:fontRef>
+        </p:style>
+        <p:txBody>
+          <a:bodyPr rtlCol="0" anchor="ctr"/>
+          <a:lstStyle/>
+          <a:p>
+            <a:pPr algn="ctr"/>
+            <a:endParaRPr lang="it-IT"/>
+          </a:p>
+        </p:txBody>
+      </p:sp>
+      <p:sp>
+        <p:nvSpPr>
+          <p:cNvPr id="5" name="CasellaDiTesto 4">
+            <a:extLst>
+              <a:ext uri="{FF2B5EF4-FFF2-40B4-BE49-F238E27FC236}">
+                <a16:creationId xmlns:a16="http://schemas.microsoft.com/office/drawing/2014/main" id="{2F598279-626D-0AEF-FD85-D814F0455493}"/>
+              </a:ext>
+            </a:extLst>
+          </p:cNvPr>
+          <p:cNvSpPr txBox="1"/>
+          <p:nvPr/>
+        </p:nvSpPr>
+        <p:spPr>
+          <a:xfrm>
+            <a:off x="2181542" y="6354103"/>
+            <a:ext cx="2770599" cy="338554"/>
+          </a:xfrm>
+          <a:prstGeom prst="rect">
+            <a:avLst/>
+          </a:prstGeom>
+          <a:noFill/>
+        </p:spPr>
+        <p:txBody>
+          <a:bodyPr wrap="square">
+            <a:spAutoFit/>
+          </a:bodyPr>
+          <a:lstStyle/>
+          <a:p>
+            <a:r>
+              <a:rPr lang="en-GB" sz="1600" dirty="0" err="1">
+                <a:solidFill>
+                  <a:srgbClr val="4F27A9"/>
+                </a:solidFill>
+              </a:rPr>
+              <a:t>HoughCircles</a:t>
+            </a:r>
+            <a:r>
+              <a:rPr lang="en-GB" sz="1600" dirty="0">
+                <a:solidFill>
+                  <a:srgbClr val="4F27A9"/>
+                </a:solidFill>
+              </a:rPr>
+              <a:t> + </a:t>
+            </a:r>
+            <a:r>
+              <a:rPr lang="en-GB" sz="1600" dirty="0" err="1">
+                <a:solidFill>
+                  <a:srgbClr val="4F27A9"/>
+                </a:solidFill>
+              </a:rPr>
+              <a:t>findContours</a:t>
+            </a:r>
+            <a:r>
+              <a:rPr lang="en-GB" sz="1600" dirty="0">
+                <a:solidFill>
+                  <a:srgbClr val="4F27A9"/>
+                </a:solidFill>
+              </a:rPr>
+              <a:t> </a:t>
+            </a:r>
+          </a:p>
+        </p:txBody>
+      </p:sp>
+      <p:sp>
+        <p:nvSpPr>
+          <p:cNvPr id="2" name="CasellaDiTesto 1">
+            <a:extLst>
+              <a:ext uri="{FF2B5EF4-FFF2-40B4-BE49-F238E27FC236}">
+                <a16:creationId xmlns:a16="http://schemas.microsoft.com/office/drawing/2014/main" id="{CE9870D3-3797-5FB2-F376-C500A574E013}"/>
+              </a:ext>
+            </a:extLst>
+          </p:cNvPr>
+          <p:cNvSpPr txBox="1"/>
+          <p:nvPr/>
+        </p:nvSpPr>
+        <p:spPr>
+          <a:xfrm>
+            <a:off x="2259740" y="4062873"/>
+            <a:ext cx="2500041" cy="338554"/>
+          </a:xfrm>
+          <a:prstGeom prst="rect">
+            <a:avLst/>
+          </a:prstGeom>
+          <a:noFill/>
+        </p:spPr>
+        <p:txBody>
+          <a:bodyPr wrap="square" rtlCol="0">
+            <a:spAutoFit/>
+          </a:bodyPr>
+          <a:lstStyle/>
+          <a:p>
+            <a:r>
+              <a:rPr lang="it-IT" sz="1600" dirty="0" err="1">
+                <a:solidFill>
+                  <a:srgbClr val="4F27A9"/>
+                </a:solidFill>
+              </a:rPr>
+              <a:t>Threshold</a:t>
+            </a:r>
+            <a:r>
+              <a:rPr lang="it-IT" sz="1600" dirty="0">
+                <a:solidFill>
+                  <a:srgbClr val="4F27A9"/>
+                </a:solidFill>
+              </a:rPr>
+              <a:t> + </a:t>
+            </a:r>
+            <a:r>
+              <a:rPr lang="it-IT" sz="1600" dirty="0" err="1">
+                <a:solidFill>
+                  <a:srgbClr val="4F27A9"/>
+                </a:solidFill>
+              </a:rPr>
+              <a:t>erosion</a:t>
+            </a:r>
+            <a:r>
+              <a:rPr lang="it-IT" sz="1600" dirty="0">
+                <a:solidFill>
+                  <a:srgbClr val="4F27A9"/>
+                </a:solidFill>
+              </a:rPr>
+              <a:t> filter</a:t>
+            </a:r>
+            <a:endParaRPr lang="en-GB" sz="1600" dirty="0">
+              <a:solidFill>
+                <a:srgbClr val="4F27A9"/>
+              </a:solidFill>
+            </a:endParaRPr>
+          </a:p>
+        </p:txBody>
+      </p:sp>
+      <p:sp>
+        <p:nvSpPr>
+          <p:cNvPr id="7" name="CasellaDiTesto 6">
+            <a:extLst>
+              <a:ext uri="{FF2B5EF4-FFF2-40B4-BE49-F238E27FC236}">
+                <a16:creationId xmlns:a16="http://schemas.microsoft.com/office/drawing/2014/main" id="{93693B4D-5E7B-8CD2-DEFC-B139CDA83F37}"/>
+              </a:ext>
+            </a:extLst>
+          </p:cNvPr>
+          <p:cNvSpPr txBox="1"/>
+          <p:nvPr/>
+        </p:nvSpPr>
+        <p:spPr>
+          <a:xfrm>
+            <a:off x="4896210" y="5830883"/>
+            <a:ext cx="2399571" cy="861774"/>
+          </a:xfrm>
+          <a:prstGeom prst="rect">
+            <a:avLst/>
+          </a:prstGeom>
+          <a:noFill/>
+        </p:spPr>
+        <p:txBody>
+          <a:bodyPr wrap="square">
+            <a:spAutoFit/>
+          </a:bodyPr>
+          <a:lstStyle/>
+          <a:p>
+            <a:pPr algn="ctr"/>
+            <a:r>
+              <a:rPr lang="en-GB" sz="1600" dirty="0">
+                <a:solidFill>
+                  <a:srgbClr val="4F27A9"/>
+                </a:solidFill>
+              </a:rPr>
+              <a:t>Rubber sheet model </a:t>
+            </a:r>
+          </a:p>
+          <a:p>
+            <a:pPr algn="ctr"/>
+            <a:r>
+              <a:rPr lang="en-GB" sz="1600" dirty="0">
+                <a:solidFill>
+                  <a:srgbClr val="4F27A9"/>
+                </a:solidFill>
+              </a:rPr>
+              <a:t>+ </a:t>
+            </a:r>
+          </a:p>
+          <a:p>
+            <a:pPr algn="ctr"/>
+            <a:r>
+              <a:rPr lang="en-GB" sz="1600" dirty="0">
+                <a:solidFill>
+                  <a:srgbClr val="4F27A9"/>
+                </a:solidFill>
+              </a:rPr>
+              <a:t>threshold masks</a:t>
+            </a:r>
+          </a:p>
+        </p:txBody>
+      </p:sp>
+      <p:sp>
+        <p:nvSpPr>
+          <p:cNvPr id="3" name="CasellaDiTesto 2">
+            <a:extLst>
+              <a:ext uri="{FF2B5EF4-FFF2-40B4-BE49-F238E27FC236}">
+                <a16:creationId xmlns:a16="http://schemas.microsoft.com/office/drawing/2014/main" id="{7A7A0868-D76B-728C-04B6-8E9BFF943906}"/>
+              </a:ext>
+            </a:extLst>
+          </p:cNvPr>
+          <p:cNvSpPr txBox="1"/>
+          <p:nvPr/>
+        </p:nvSpPr>
+        <p:spPr>
+          <a:xfrm>
+            <a:off x="1344706" y="177422"/>
+            <a:ext cx="10354235" cy="923330"/>
+          </a:xfrm>
+          <a:prstGeom prst="rect">
+            <a:avLst/>
+          </a:prstGeom>
+          <a:noFill/>
+        </p:spPr>
+        <p:txBody>
+          <a:bodyPr wrap="square">
+            <a:spAutoFit/>
+          </a:bodyPr>
+          <a:lstStyle/>
+          <a:p>
+            <a:r>
+              <a:rPr lang="en-GB" sz="5400" b="1" dirty="0">
+                <a:ln w="22225">
+                  <a:solidFill>
+                    <a:schemeClr val="accent6">
+                      <a:lumMod val="75000"/>
+                    </a:schemeClr>
+                  </a:solidFill>
+                  <a:prstDash val="solid"/>
+                </a:ln>
+                <a:solidFill>
+                  <a:srgbClr val="00B0F0"/>
+                </a:solidFill>
+              </a:rPr>
+              <a:t>Iris identification Approach</a:t>
+            </a:r>
+          </a:p>
+        </p:txBody>
+      </p:sp>
+      <p:sp>
+        <p:nvSpPr>
+          <p:cNvPr id="13" name="CasellaDiTesto 12">
+            <a:extLst>
+              <a:ext uri="{FF2B5EF4-FFF2-40B4-BE49-F238E27FC236}">
+                <a16:creationId xmlns:a16="http://schemas.microsoft.com/office/drawing/2014/main" id="{6990121C-67CF-E58A-38C5-E687A1FE6AEE}"/>
+              </a:ext>
+            </a:extLst>
+          </p:cNvPr>
+          <p:cNvSpPr txBox="1"/>
+          <p:nvPr/>
+        </p:nvSpPr>
+        <p:spPr>
+          <a:xfrm>
+            <a:off x="7658557" y="4481184"/>
+            <a:ext cx="2399571" cy="338554"/>
+          </a:xfrm>
+          <a:prstGeom prst="rect">
+            <a:avLst/>
+          </a:prstGeom>
+          <a:noFill/>
+        </p:spPr>
+        <p:txBody>
+          <a:bodyPr wrap="square">
+            <a:spAutoFit/>
+          </a:bodyPr>
+          <a:lstStyle/>
+          <a:p>
+            <a:pPr algn="ctr"/>
+            <a:r>
+              <a:rPr lang="en-GB" sz="1600" dirty="0">
+                <a:solidFill>
+                  <a:srgbClr val="4F27A9"/>
+                </a:solidFill>
+              </a:rPr>
+              <a:t>LBP</a:t>
+            </a:r>
+          </a:p>
+        </p:txBody>
+      </p:sp>
+    </p:spTree>
+    <p:extLst>
+      <p:ext uri="{BB962C8B-B14F-4D97-AF65-F5344CB8AC3E}">
+        <p14:creationId xmlns:p14="http://schemas.microsoft.com/office/powerpoint/2010/main" val="939360447"/>
+      </p:ext>
+    </p:extLst>
+  </p:cSld>
+  <p:clrMapOvr>
+    <a:masterClrMapping/>
+  </p:clrMapOvr>
+  <mc:AlternateContent xmlns:mc="http://schemas.openxmlformats.org/markup-compatibility/2006" xmlns:p14="http://schemas.microsoft.com/office/powerpoint/2010/main">
+    <mc:Choice Requires="p14">
+      <p:transition spd="slow" p14:dur="1600">
+        <p:blinds dir="vert"/>
+      </p:transition>
+    </mc:Choice>
+    <mc:Fallback xmlns="">
+      <p:transition spd="slow">
+        <p:blinds dir="vert"/>
+      </p:transition>
+    </mc:Fallback>
+  </mc:AlternateContent>
+  <p:timing>
+    <p:tnLst>
+      <p:par>
+        <p:cTn id="1" dur="indefinite" restart="never" nodeType="tmRoot">
+          <p:childTnLst>
+            <p:seq concurrent="1" nextAc="seek">
+              <p:cTn id="2" dur="indefinite" nodeType="mainSeq">
+                <p:childTnLst>
+                  <p:par>
+                    <p:cTn id="3" fill="hold">
+                      <p:stCondLst>
+                        <p:cond delay="indefinite"/>
+                      </p:stCondLst>
+                      <p:childTnLst>
+                        <p:par>
+                          <p:cTn id="4" fill="hold">
+                            <p:stCondLst>
+                              <p:cond delay="0"/>
+                            </p:stCondLst>
+                            <p:childTnLst>
+                              <p:par>
+                                <p:cTn id="5" presetID="63" presetClass="path" presetSubtype="0" accel="50000" decel="50000" fill="hold" grpId="0" nodeType="clickEffect">
+                                  <p:stCondLst>
+                                    <p:cond delay="0"/>
+                                  </p:stCondLst>
+                                  <p:childTnLst>
+                                    <p:animMotion origin="layout" path="M -1.04167E-6 0 L 0.21758 -0.00787 " pathEditMode="relative" rAng="0" ptsTypes="AA">
+                                      <p:cBhvr>
+                                        <p:cTn id="6" dur="2000" fill="hold"/>
+                                        <p:tgtEl>
+                                          <p:spTgt spid="9"/>
+                                        </p:tgtEl>
+                                        <p:attrNameLst>
+                                          <p:attrName>ppt_x</p:attrName>
+                                          <p:attrName>ppt_y</p:attrName>
+                                        </p:attrNameLst>
+                                      </p:cBhvr>
+                                      <p:rCtr x="10872" y="-394"/>
+                                    </p:animMotion>
+                                  </p:childTnLst>
+                                </p:cTn>
+                              </p:par>
+                              <p:par>
+                                <p:cTn id="7" presetID="22" presetClass="entr" presetSubtype="8" fill="hold" grpId="0" nodeType="withEffect">
+                                  <p:stCondLst>
+                                    <p:cond delay="800"/>
+                                  </p:stCondLst>
+                                  <p:childTnLst>
+                                    <p:set>
+                                      <p:cBhvr>
+                                        <p:cTn id="8" dur="1" fill="hold">
+                                          <p:stCondLst>
+                                            <p:cond delay="0"/>
+                                          </p:stCondLst>
+                                        </p:cTn>
+                                        <p:tgtEl>
+                                          <p:spTgt spid="5"/>
+                                        </p:tgtEl>
+                                        <p:attrNameLst>
+                                          <p:attrName>style.visibility</p:attrName>
+                                        </p:attrNameLst>
+                                      </p:cBhvr>
+                                      <p:to>
+                                        <p:strVal val="visible"/>
+                                      </p:to>
+                                    </p:set>
+                                    <p:animEffect transition="in" filter="wipe(left)">
+                                      <p:cBhvr>
+                                        <p:cTn id="9" dur="950"/>
+                                        <p:tgtEl>
+                                          <p:spTgt spid="5"/>
+                                        </p:tgtEl>
+                                      </p:cBhvr>
+                                    </p:animEffect>
+                                  </p:childTnLst>
+                                </p:cTn>
+                              </p:par>
+                              <p:par>
+                                <p:cTn id="10" presetID="22" presetClass="entr" presetSubtype="8" fill="hold" grpId="0" nodeType="withEffect">
+                                  <p:stCondLst>
+                                    <p:cond delay="800"/>
+                                  </p:stCondLst>
+                                  <p:childTnLst>
+                                    <p:set>
+                                      <p:cBhvr>
+                                        <p:cTn id="11" dur="1" fill="hold">
+                                          <p:stCondLst>
+                                            <p:cond delay="0"/>
+                                          </p:stCondLst>
+                                        </p:cTn>
+                                        <p:tgtEl>
+                                          <p:spTgt spid="2"/>
+                                        </p:tgtEl>
+                                        <p:attrNameLst>
+                                          <p:attrName>style.visibility</p:attrName>
+                                        </p:attrNameLst>
+                                      </p:cBhvr>
+                                      <p:to>
+                                        <p:strVal val="visible"/>
+                                      </p:to>
+                                    </p:set>
+                                    <p:animEffect transition="in" filter="wipe(left)">
+                                      <p:cBhvr>
+                                        <p:cTn id="12" dur="950"/>
+                                        <p:tgtEl>
+                                          <p:spTgt spid="2"/>
+                                        </p:tgtEl>
+                                      </p:cBhvr>
+                                    </p:animEffect>
+                                  </p:childTnLst>
+                                </p:cTn>
+                              </p:par>
+                            </p:childTnLst>
+                          </p:cTn>
+                        </p:par>
+                      </p:childTnLst>
+                    </p:cTn>
+                  </p:par>
+                  <p:par>
+                    <p:cTn id="13" fill="hold">
+                      <p:stCondLst>
+                        <p:cond delay="indefinite"/>
+                      </p:stCondLst>
+                      <p:childTnLst>
+                        <p:par>
+                          <p:cTn id="14" fill="hold">
+                            <p:stCondLst>
+                              <p:cond delay="0"/>
+                            </p:stCondLst>
+                            <p:childTnLst>
+                              <p:par>
+                                <p:cTn id="15" presetID="63" presetClass="path" presetSubtype="0" accel="50000" decel="50000" fill="hold" grpId="1" nodeType="clickEffect">
+                                  <p:stCondLst>
+                                    <p:cond delay="0"/>
+                                  </p:stCondLst>
+                                  <p:childTnLst>
+                                    <p:animMotion origin="layout" path="M 0.21758 -0.00787 L 0.42708 -0.00787 " pathEditMode="relative" rAng="0" ptsTypes="AA">
+                                      <p:cBhvr>
+                                        <p:cTn id="16" dur="2000" fill="hold"/>
+                                        <p:tgtEl>
+                                          <p:spTgt spid="9"/>
+                                        </p:tgtEl>
+                                        <p:attrNameLst>
+                                          <p:attrName>ppt_x</p:attrName>
+                                          <p:attrName>ppt_y</p:attrName>
+                                        </p:attrNameLst>
+                                      </p:cBhvr>
+                                      <p:rCtr x="10469" y="0"/>
+                                    </p:animMotion>
+                                  </p:childTnLst>
+                                </p:cTn>
+                              </p:par>
+                              <p:par>
+                                <p:cTn id="17" presetID="22" presetClass="entr" presetSubtype="8" fill="hold" grpId="0" nodeType="withEffect">
+                                  <p:stCondLst>
+                                    <p:cond delay="800"/>
+                                  </p:stCondLst>
+                                  <p:childTnLst>
+                                    <p:set>
+                                      <p:cBhvr>
+                                        <p:cTn id="18" dur="1" fill="hold">
+                                          <p:stCondLst>
+                                            <p:cond delay="0"/>
+                                          </p:stCondLst>
+                                        </p:cTn>
+                                        <p:tgtEl>
+                                          <p:spTgt spid="7"/>
+                                        </p:tgtEl>
+                                        <p:attrNameLst>
+                                          <p:attrName>style.visibility</p:attrName>
+                                        </p:attrNameLst>
+                                      </p:cBhvr>
+                                      <p:to>
+                                        <p:strVal val="visible"/>
+                                      </p:to>
+                                    </p:set>
+                                    <p:animEffect transition="in" filter="wipe(left)">
+                                      <p:cBhvr>
+                                        <p:cTn id="19" dur="950"/>
+                                        <p:tgtEl>
+                                          <p:spTgt spid="7"/>
+                                        </p:tgtEl>
+                                      </p:cBhvr>
+                                    </p:animEffect>
+                                  </p:childTnLst>
+                                </p:cTn>
+                              </p:par>
+                            </p:childTnLst>
+                          </p:cTn>
+                        </p:par>
+                      </p:childTnLst>
+                    </p:cTn>
+                  </p:par>
+                  <p:par>
+                    <p:cTn id="20" fill="hold">
+                      <p:stCondLst>
+                        <p:cond delay="indefinite"/>
+                      </p:stCondLst>
+                      <p:childTnLst>
+                        <p:par>
+                          <p:cTn id="21" fill="hold">
+                            <p:stCondLst>
+                              <p:cond delay="0"/>
+                            </p:stCondLst>
+                            <p:childTnLst>
+                              <p:par>
+                                <p:cTn id="22" presetID="63" presetClass="path" presetSubtype="0" accel="50000" decel="50000" fill="hold" grpId="2" nodeType="clickEffect">
+                                  <p:stCondLst>
+                                    <p:cond delay="0"/>
+                                  </p:stCondLst>
+                                  <p:childTnLst>
+                                    <p:animMotion origin="layout" path="M 0.42708 -0.00787 L 0.84883 -0.00787 " pathEditMode="relative" rAng="0" ptsTypes="AA">
+                                      <p:cBhvr>
+                                        <p:cTn id="23" dur="2000" fill="hold"/>
+                                        <p:tgtEl>
+                                          <p:spTgt spid="9"/>
+                                        </p:tgtEl>
+                                        <p:attrNameLst>
+                                          <p:attrName>ppt_x</p:attrName>
+                                          <p:attrName>ppt_y</p:attrName>
+                                        </p:attrNameLst>
+                                      </p:cBhvr>
+                                      <p:rCtr x="21081" y="0"/>
+                                    </p:animMotion>
+                                  </p:childTnLst>
+                                </p:cTn>
+                              </p:par>
+                              <p:par>
+                                <p:cTn id="24" presetID="22" presetClass="entr" presetSubtype="8" fill="hold" grpId="0" nodeType="withEffect">
+                                  <p:stCondLst>
+                                    <p:cond delay="500"/>
+                                  </p:stCondLst>
+                                  <p:childTnLst>
+                                    <p:set>
+                                      <p:cBhvr>
+                                        <p:cTn id="25" dur="1" fill="hold">
+                                          <p:stCondLst>
+                                            <p:cond delay="0"/>
+                                          </p:stCondLst>
+                                        </p:cTn>
+                                        <p:tgtEl>
+                                          <p:spTgt spid="13"/>
+                                        </p:tgtEl>
+                                        <p:attrNameLst>
+                                          <p:attrName>style.visibility</p:attrName>
+                                        </p:attrNameLst>
+                                      </p:cBhvr>
+                                      <p:to>
+                                        <p:strVal val="visible"/>
+                                      </p:to>
+                                    </p:set>
+                                    <p:animEffect transition="in" filter="wipe(left)">
+                                      <p:cBhvr>
+                                        <p:cTn id="26" dur="950"/>
+                                        <p:tgtEl>
+                                          <p:spTgt spid="13"/>
+                                        </p:tgtEl>
+                                      </p:cBhvr>
+                                    </p:animEffect>
+                                  </p:childTnLst>
+                                </p:cTn>
+                              </p:par>
+                            </p:childTnLst>
+                          </p:cTn>
+                        </p:par>
+                      </p:childTnLst>
+                    </p:cTn>
+                  </p:par>
+                </p:childTnLst>
+              </p:cTn>
+              <p:prevCondLst>
+                <p:cond evt="onPrev" delay="0">
+                  <p:tgtEl>
+                    <p:sldTgt/>
+                  </p:tgtEl>
+                </p:cond>
+              </p:prevCondLst>
+              <p:nextCondLst>
+                <p:cond evt="onNext" delay="0">
+                  <p:tgtEl>
+                    <p:sldTgt/>
+                  </p:tgtEl>
+                </p:cond>
+              </p:nextCondLst>
+            </p:seq>
+          </p:childTnLst>
+        </p:cTn>
+      </p:par>
+    </p:tnLst>
+    <p:bldLst>
+      <p:bldP spid="9" grpId="0" animBg="1"/>
+      <p:bldP spid="9" grpId="1" animBg="1"/>
+      <p:bldP spid="9" grpId="2" animBg="1"/>
+      <p:bldP spid="5" grpId="0"/>
+      <p:bldP spid="2" grpId="0"/>
+      <p:bldP spid="7" grpId="0"/>
+      <p:bldP spid="13" grpId="0"/>
+    </p:bldLst>
+  </p:timing>
+</p:sld>
+</file>
+
+<file path=ppt/slides/slide6.xml><?xml version="1.0" encoding="utf-8"?>
+<p:sld xmlns:a="http://schemas.openxmlformats.org/drawingml/2006/main" xmlns:r="http://schemas.openxmlformats.org/officeDocument/2006/relationships" xmlns:p="http://schemas.openxmlformats.org/presentationml/2006/main">
+  <p:cSld>
+    <p:spTree>
+      <p:nvGrpSpPr>
+        <p:cNvPr id="1" name=""/>
+        <p:cNvGrpSpPr/>
+        <p:nvPr/>
+      </p:nvGrpSpPr>
+      <p:grpSpPr>
+        <a:xfrm>
+          <a:off x="0" y="0"/>
+          <a:ext cx="0" cy="0"/>
+          <a:chOff x="0" y="0"/>
+          <a:chExt cx="0" cy="0"/>
+        </a:xfrm>
+      </p:grpSpPr>
+      <p:sp>
+        <p:nvSpPr>
+          <p:cNvPr id="3" name="CasellaDiTesto 2">
+            <a:extLst>
+              <a:ext uri="{FF2B5EF4-FFF2-40B4-BE49-F238E27FC236}">
+                <a16:creationId xmlns:a16="http://schemas.microsoft.com/office/drawing/2014/main" id="{728247DF-6111-02B0-F3E7-11FBDDF3C1B9}"/>
+              </a:ext>
+            </a:extLst>
+          </p:cNvPr>
+          <p:cNvSpPr txBox="1"/>
+          <p:nvPr/>
+        </p:nvSpPr>
+        <p:spPr>
+          <a:xfrm>
+            <a:off x="999303" y="734602"/>
+            <a:ext cx="4930514" cy="1754326"/>
+          </a:xfrm>
+          <a:prstGeom prst="rect">
+            <a:avLst/>
+          </a:prstGeom>
+          <a:noFill/>
+        </p:spPr>
+        <p:txBody>
+          <a:bodyPr wrap="square">
+            <a:spAutoFit/>
+          </a:bodyPr>
+          <a:lstStyle/>
+          <a:p>
+            <a:pPr algn="ctr"/>
+            <a:r>
+              <a:rPr lang="it-IT" sz="5400" b="1" dirty="0">
+                <a:ln w="22225">
+                  <a:solidFill>
+                    <a:schemeClr val="accent6">
+                      <a:lumMod val="75000"/>
+                    </a:schemeClr>
+                  </a:solidFill>
+                  <a:prstDash val="solid"/>
+                </a:ln>
+                <a:solidFill>
+                  <a:srgbClr val="00B0F0"/>
+                </a:solidFill>
+              </a:rPr>
+              <a:t>F</a:t>
+            </a:r>
+            <a:r>
+              <a:rPr lang="en-GB" sz="5400" b="1" dirty="0">
+                <a:ln w="22225">
+                  <a:solidFill>
+                    <a:schemeClr val="accent6">
+                      <a:lumMod val="75000"/>
+                    </a:schemeClr>
+                  </a:solidFill>
+                  <a:prstDash val="solid"/>
+                </a:ln>
+                <a:solidFill>
+                  <a:srgbClr val="00B0F0"/>
+                </a:solidFill>
+              </a:rPr>
+              <a:t>ace Recognition</a:t>
+            </a:r>
+          </a:p>
+        </p:txBody>
+      </p:sp>
+      <p:sp>
+        <p:nvSpPr>
+          <p:cNvPr id="6" name="CasellaDiTesto 5">
+            <a:extLst>
+              <a:ext uri="{FF2B5EF4-FFF2-40B4-BE49-F238E27FC236}">
+                <a16:creationId xmlns:a16="http://schemas.microsoft.com/office/drawing/2014/main" id="{2B95169D-1547-09D6-E94B-2CCFC244C5B6}"/>
+              </a:ext>
+            </a:extLst>
+          </p:cNvPr>
+          <p:cNvSpPr txBox="1"/>
+          <p:nvPr/>
+        </p:nvSpPr>
+        <p:spPr>
+          <a:xfrm>
+            <a:off x="416560" y="2848520"/>
+            <a:ext cx="6096000" cy="2397195"/>
+          </a:xfrm>
+          <a:prstGeom prst="rect">
+            <a:avLst/>
+          </a:prstGeom>
+          <a:noFill/>
+        </p:spPr>
+        <p:txBody>
+          <a:bodyPr wrap="square">
+            <a:spAutoFit/>
+          </a:bodyPr>
+          <a:lstStyle/>
+          <a:p>
+            <a:pPr algn="just">
+              <a:lnSpc>
+                <a:spcPct val="115000"/>
+              </a:lnSpc>
+              <a:spcAft>
+                <a:spcPts val="800"/>
+              </a:spcAft>
+            </a:pPr>
+            <a:r>
+              <a:rPr lang="en-GB" sz="2200" dirty="0">
+                <a:latin typeface="Times New Roman" panose="02020603050405020304" pitchFamily="18" charset="0"/>
+                <a:cs typeface="Times New Roman" panose="02020603050405020304" pitchFamily="18" charset="0"/>
+              </a:rPr>
+              <a:t>Face recognition, has gained significant attention due to its wide-ranging applications in security and human-computer interaction. The ability to automatically identify and verify individuals based on facial features has become an important technology in various industries. </a:t>
+            </a:r>
+          </a:p>
+        </p:txBody>
+      </p:sp>
+      <p:pic>
+        <p:nvPicPr>
+          <p:cNvPr id="3074" name="Picture 2" descr="genera un'immagine che rappresenta il metodo di riconoscimento biometrico face recognition. Immagine 2 di 4">
+            <a:extLst>
+              <a:ext uri="{FF2B5EF4-FFF2-40B4-BE49-F238E27FC236}">
+                <a16:creationId xmlns:a16="http://schemas.microsoft.com/office/drawing/2014/main" id="{29AC566A-684B-AF08-6771-A58F7D8A6C25}"/>
+              </a:ext>
+            </a:extLst>
+          </p:cNvPr>
+          <p:cNvPicPr>
+            <a:picLocks noChangeAspect="1" noChangeArrowheads="1"/>
+          </p:cNvPicPr>
+          <p:nvPr/>
+        </p:nvPicPr>
+        <p:blipFill>
+          <a:blip r:embed="rId2">
+            <a:extLst>
+              <a:ext uri="{28A0092B-C50C-407E-A947-70E740481C1C}">
+                <a14:useLocalDpi xmlns:a14="http://schemas.microsoft.com/office/drawing/2010/main" val="0"/>
+              </a:ext>
+            </a:extLst>
+          </a:blip>
+          <a:srcRect/>
+          <a:stretch>
+            <a:fillRect/>
+          </a:stretch>
+        </p:blipFill>
+        <p:spPr bwMode="auto">
+          <a:xfrm>
+            <a:off x="6991053" y="1085609"/>
+            <a:ext cx="4686782" cy="4686782"/>
+          </a:xfrm>
+          <a:prstGeom prst="rect">
+            <a:avLst/>
+          </a:prstGeom>
+          <a:ln w="127000" cap="sq">
+            <a:solidFill>
+              <a:srgbClr val="000000"/>
+            </a:solidFill>
+            <a:miter lim="800000"/>
+          </a:ln>
+          <a:effectLst>
+            <a:outerShdw blurRad="57150" dist="50800" dir="2700000" algn="tl" rotWithShape="0">
+              <a:srgbClr val="000000">
+                <a:alpha val="40000"/>
+              </a:srgbClr>
+            </a:outerShdw>
+            <a:softEdge rad="31750"/>
+          </a:effectLst>
+          <a:extLst>
+            <a:ext uri="{909E8E84-426E-40DD-AFC4-6F175D3DCCD1}">
+              <a14:hiddenFill xmlns:a14="http://schemas.microsoft.com/office/drawing/2010/main">
+                <a:solidFill>
+                  <a:srgbClr val="FFFFFF"/>
+                </a:solidFill>
+              </a14:hiddenFill>
+            </a:ext>
+          </a:extLst>
+        </p:spPr>
+      </p:pic>
+    </p:spTree>
+    <p:extLst>
+      <p:ext uri="{BB962C8B-B14F-4D97-AF65-F5344CB8AC3E}">
+        <p14:creationId xmlns:p14="http://schemas.microsoft.com/office/powerpoint/2010/main" val="3540466429"/>
+      </p:ext>
+    </p:extLst>
+  </p:cSld>
+  <p:clrMapOvr>
+    <a:masterClrMapping/>
+  </p:clrMapOvr>
+  <mc:AlternateContent xmlns:mc="http://schemas.openxmlformats.org/markup-compatibility/2006" xmlns:p14="http://schemas.microsoft.com/office/powerpoint/2010/main">
+    <mc:Choice Requires="p14">
+      <p:transition spd="slow" p14:dur="1400">
+        <p:blinds/>
+      </p:transition>
+    </mc:Choice>
+    <mc:Fallback xmlns="">
+      <p:transition spd="slow">
+        <p:blinds/>
+      </p:transition>
+    </mc:Fallback>
+  </mc:AlternateContent>
+</p:sld>
+</file>
+
+<file path=ppt/slides/slide7.xml><?xml version="1.0" encoding="utf-8"?>
+<p:sld xmlns:a="http://schemas.openxmlformats.org/drawingml/2006/main" xmlns:r="http://schemas.openxmlformats.org/officeDocument/2006/relationships" xmlns:p="http://schemas.openxmlformats.org/presentationml/2006/main">
+  <p:cSld>
+    <p:spTree>
+      <p:nvGrpSpPr>
+        <p:cNvPr id="1" name=""/>
+        <p:cNvGrpSpPr/>
+        <p:nvPr/>
+      </p:nvGrpSpPr>
+      <p:grpSpPr>
+        <a:xfrm>
+          <a:off x="0" y="0"/>
+          <a:ext cx="0" cy="0"/>
+          <a:chOff x="0" y="0"/>
+          <a:chExt cx="0" cy="0"/>
+        </a:xfrm>
+      </p:grpSpPr>
+      <p:sp>
+        <p:nvSpPr>
+          <p:cNvPr id="2" name="CasellaDiTesto 1">
+            <a:extLst>
+              <a:ext uri="{FF2B5EF4-FFF2-40B4-BE49-F238E27FC236}">
+                <a16:creationId xmlns:a16="http://schemas.microsoft.com/office/drawing/2014/main" id="{32541AD8-D8C2-4E25-068E-7FCC766176EF}"/>
+              </a:ext>
+            </a:extLst>
+          </p:cNvPr>
+          <p:cNvSpPr txBox="1"/>
+          <p:nvPr/>
+        </p:nvSpPr>
+        <p:spPr>
+          <a:xfrm>
+            <a:off x="189153" y="590180"/>
+            <a:ext cx="9559023" cy="923330"/>
+          </a:xfrm>
+          <a:prstGeom prst="rect">
+            <a:avLst/>
+          </a:prstGeom>
+          <a:noFill/>
+        </p:spPr>
+        <p:txBody>
+          <a:bodyPr wrap="square">
+            <a:spAutoFit/>
+          </a:bodyPr>
+          <a:lstStyle/>
+          <a:p>
+            <a:r>
+              <a:rPr lang="it-IT" sz="5400" b="1" dirty="0">
+                <a:ln w="22225">
+                  <a:solidFill>
+                    <a:schemeClr val="accent6">
+                      <a:lumMod val="75000"/>
+                    </a:schemeClr>
+                  </a:solidFill>
+                  <a:prstDash val="solid"/>
+                </a:ln>
+                <a:solidFill>
+                  <a:srgbClr val="00B0F0"/>
+                </a:solidFill>
+              </a:rPr>
+              <a:t>F</a:t>
+            </a:r>
+            <a:r>
+              <a:rPr lang="en-GB" sz="5400" b="1" dirty="0">
+                <a:ln w="22225">
+                  <a:solidFill>
+                    <a:schemeClr val="accent6">
+                      <a:lumMod val="75000"/>
+                    </a:schemeClr>
+                  </a:solidFill>
+                  <a:prstDash val="solid"/>
+                </a:ln>
+                <a:solidFill>
+                  <a:srgbClr val="00B0F0"/>
+                </a:solidFill>
+              </a:rPr>
+              <a:t>ace identification approach</a:t>
+            </a:r>
+          </a:p>
+        </p:txBody>
+      </p:sp>
+      <p:pic>
+        <p:nvPicPr>
+          <p:cNvPr id="3" name="Immagine 2" descr="Automatic system for facial expression recognition based histogram of oriented  gradient and normalized cross correlation | Semantic Scholar">
+            <a:extLst>
+              <a:ext uri="{FF2B5EF4-FFF2-40B4-BE49-F238E27FC236}">
+                <a16:creationId xmlns:a16="http://schemas.microsoft.com/office/drawing/2014/main" id="{5C7978B8-A2D6-84C9-4DEC-40F9509E092F}"/>
+              </a:ext>
+            </a:extLst>
+          </p:cNvPr>
+          <p:cNvPicPr>
+            <a:picLocks noChangeAspect="1"/>
+          </p:cNvPicPr>
+          <p:nvPr/>
+        </p:nvPicPr>
+        <p:blipFill rotWithShape="1">
+          <a:blip r:embed="rId2">
+            <a:extLst>
+              <a:ext uri="{28A0092B-C50C-407E-A947-70E740481C1C}">
+                <a14:useLocalDpi xmlns:a14="http://schemas.microsoft.com/office/drawing/2010/main" val="0"/>
+              </a:ext>
+            </a:extLst>
+          </a:blip>
+          <a:srcRect l="4073" r="4905" b="5436"/>
+          <a:stretch/>
+        </p:blipFill>
+        <p:spPr bwMode="auto">
+          <a:xfrm>
+            <a:off x="8094853" y="1934059"/>
+            <a:ext cx="3634540" cy="4099255"/>
+          </a:xfrm>
+          <a:prstGeom prst="rect">
+            <a:avLst/>
+          </a:prstGeom>
+          <a:noFill/>
+          <a:ln>
+            <a:noFill/>
+          </a:ln>
+          <a:extLst>
+            <a:ext uri="{53640926-AAD7-44D8-BBD7-CCE9431645EC}">
+              <a14:shadowObscured xmlns:a14="http://schemas.microsoft.com/office/drawing/2010/main"/>
+            </a:ext>
+          </a:extLst>
+        </p:spPr>
+      </p:pic>
+      <p:sp>
+        <p:nvSpPr>
+          <p:cNvPr id="5" name="CasellaDiTesto 4">
+            <a:extLst>
+              <a:ext uri="{FF2B5EF4-FFF2-40B4-BE49-F238E27FC236}">
+                <a16:creationId xmlns:a16="http://schemas.microsoft.com/office/drawing/2014/main" id="{7CA6F454-E9D3-D6D7-1255-FC4E9B89583B}"/>
+              </a:ext>
+            </a:extLst>
+          </p:cNvPr>
+          <p:cNvSpPr txBox="1"/>
+          <p:nvPr/>
+        </p:nvSpPr>
+        <p:spPr>
+          <a:xfrm>
+            <a:off x="652066" y="1680357"/>
+            <a:ext cx="7177839" cy="1446550"/>
+          </a:xfrm>
+          <a:prstGeom prst="rect">
+            <a:avLst/>
+          </a:prstGeom>
+          <a:noFill/>
+        </p:spPr>
+        <p:txBody>
+          <a:bodyPr wrap="square">
+            <a:spAutoFit/>
+          </a:bodyPr>
+          <a:lstStyle/>
+          <a:p>
+            <a:pPr algn="just"/>
+            <a:r>
+              <a:rPr lang="en-GB" sz="2200" dirty="0" err="1">
+                <a:latin typeface="Times New Roman" panose="02020603050405020304" pitchFamily="18" charset="0"/>
+                <a:cs typeface="Times New Roman" panose="02020603050405020304" pitchFamily="18" charset="0"/>
+              </a:rPr>
+              <a:t>Face_recognition</a:t>
+            </a:r>
+            <a:r>
+              <a:rPr lang="en-GB" sz="2200" dirty="0">
+                <a:latin typeface="Times New Roman" panose="02020603050405020304" pitchFamily="18" charset="0"/>
+                <a:cs typeface="Times New Roman" panose="02020603050405020304" pitchFamily="18" charset="0"/>
+              </a:rPr>
+              <a:t> is a library in Python for face recognition tasks. This library employs the Histogram of Oriented Gradients (HOG) model for face detection, alignment, and recognition.</a:t>
+            </a:r>
+          </a:p>
+        </p:txBody>
+      </p:sp>
+      <p:sp>
+        <p:nvSpPr>
+          <p:cNvPr id="4" name="CasellaDiTesto 4">
+            <a:extLst>
+              <a:ext uri="{FF2B5EF4-FFF2-40B4-BE49-F238E27FC236}">
+                <a16:creationId xmlns:a16="http://schemas.microsoft.com/office/drawing/2014/main" id="{2869831A-06E2-1A7B-E0D8-E347DA6617FD}"/>
+              </a:ext>
+            </a:extLst>
+          </p:cNvPr>
+          <p:cNvSpPr txBox="1"/>
+          <p:nvPr/>
+        </p:nvSpPr>
+        <p:spPr>
+          <a:xfrm>
+            <a:off x="652065" y="3372610"/>
+            <a:ext cx="7177839" cy="1446550"/>
+          </a:xfrm>
+          <a:prstGeom prst="rect">
+            <a:avLst/>
+          </a:prstGeom>
+          <a:noFill/>
+        </p:spPr>
+        <p:txBody>
+          <a:bodyPr wrap="square">
+            <a:spAutoFit/>
+          </a:bodyPr>
+          <a:lstStyle/>
+          <a:p>
+            <a:pPr algn="just"/>
+            <a:r>
+              <a:rPr lang="en-GB" sz="2200" dirty="0">
+                <a:latin typeface="Times New Roman" panose="02020603050405020304" pitchFamily="18" charset="0"/>
+                <a:cs typeface="Times New Roman" panose="02020603050405020304" pitchFamily="18" charset="0"/>
+              </a:rPr>
+              <a:t>HOG is a feature descriptor used in computer vision, where the image is divided into cells, and histograms of gradient orientations are computed for each cell. These histograms are concatenated to form the descriptor.</a:t>
+            </a:r>
+          </a:p>
+        </p:txBody>
+      </p:sp>
+      <p:sp>
+        <p:nvSpPr>
+          <p:cNvPr id="6" name="CasellaDiTesto 4">
+            <a:extLst>
+              <a:ext uri="{FF2B5EF4-FFF2-40B4-BE49-F238E27FC236}">
+                <a16:creationId xmlns:a16="http://schemas.microsoft.com/office/drawing/2014/main" id="{01024328-469C-A4F4-FA4F-08D81619D3D1}"/>
+              </a:ext>
+            </a:extLst>
+          </p:cNvPr>
+          <p:cNvSpPr txBox="1"/>
+          <p:nvPr/>
+        </p:nvSpPr>
+        <p:spPr>
+          <a:xfrm>
+            <a:off x="652065" y="5064863"/>
+            <a:ext cx="7177839" cy="1446550"/>
+          </a:xfrm>
+          <a:prstGeom prst="rect">
+            <a:avLst/>
+          </a:prstGeom>
+          <a:noFill/>
+        </p:spPr>
+        <p:txBody>
+          <a:bodyPr wrap="square">
+            <a:spAutoFit/>
+          </a:bodyPr>
+          <a:lstStyle/>
+          <a:p>
+            <a:pPr algn="just"/>
+            <a:r>
+              <a:rPr lang="en-GB" sz="2200" dirty="0">
+                <a:latin typeface="Times New Roman" panose="02020603050405020304" pitchFamily="18" charset="0"/>
+                <a:cs typeface="Times New Roman" panose="02020603050405020304" pitchFamily="18" charset="0"/>
+              </a:rPr>
+              <a:t>The HOG descriptor offers advantages such as invariance to geometric and photometric transformations, except for changes in object orientation, making it effective for face recognition tasks.</a:t>
+            </a:r>
+          </a:p>
+        </p:txBody>
+      </p:sp>
+    </p:spTree>
+    <p:extLst>
+      <p:ext uri="{BB962C8B-B14F-4D97-AF65-F5344CB8AC3E}">
+        <p14:creationId xmlns:p14="http://schemas.microsoft.com/office/powerpoint/2010/main" val="2500065562"/>
+      </p:ext>
+    </p:extLst>
+  </p:cSld>
+  <p:clrMapOvr>
+    <a:masterClrMapping/>
+  </p:clrMapOvr>
+  <p:transition spd="slow">
+    <p:push dir="r"/>
+  </p:transition>
+  <p:timing>
+    <p:tnLst>
+      <p:par>
+        <p:cTn id="1" dur="indefinite" restart="never" nodeType="tmRoot">
+          <p:childTnLst>
+            <p:seq concurrent="1" nextAc="seek">
+              <p:cTn id="2" dur="indefinite" nodeType="mainSeq">
+                <p:childTnLst>
+                  <p:par>
+                    <p:cTn id="3" fill="hold">
+                      <p:stCondLst>
+                        <p:cond delay="indefinite"/>
+                        <p:cond evt="onBegin" delay="0">
+                          <p:tn val="2"/>
+                        </p:cond>
+                      </p:stCondLst>
+                      <p:childTnLst>
+                        <p:par>
+                          <p:cTn id="4" fill="hold">
+                            <p:stCondLst>
+                              <p:cond delay="0"/>
+                            </p:stCondLst>
+                            <p:childTnLst>
+                              <p:par>
+                                <p:cTn id="5" presetID="22" presetClass="entr" presetSubtype="1" fill="hold" grpId="0" nodeType="withEffect">
+                                  <p:stCondLst>
+                                    <p:cond delay="0"/>
+                                  </p:stCondLst>
+                                  <p:childTnLst>
+                                    <p:set>
+                                      <p:cBhvr>
+                                        <p:cTn id="6" dur="1" fill="hold">
+                                          <p:stCondLst>
+                                            <p:cond delay="0"/>
+                                          </p:stCondLst>
+                                        </p:cTn>
+                                        <p:tgtEl>
+                                          <p:spTgt spid="5"/>
+                                        </p:tgtEl>
+                                        <p:attrNameLst>
+                                          <p:attrName>style.visibility</p:attrName>
+                                        </p:attrNameLst>
+                                      </p:cBhvr>
+                                      <p:to>
+                                        <p:strVal val="visible"/>
+                                      </p:to>
+                                    </p:set>
+                                    <p:animEffect transition="in" filter="wipe(up)">
+                                      <p:cBhvr>
+                                        <p:cTn id="7" dur="750"/>
+                                        <p:tgtEl>
+                                          <p:spTgt spid="5"/>
+                                        </p:tgtEl>
+                                      </p:cBhvr>
+                                    </p:animEffect>
+                                  </p:childTnLst>
+                                </p:cTn>
+                              </p:par>
+                              <p:par>
+                                <p:cTn id="8" presetID="22" presetClass="entr" presetSubtype="1" fill="hold" grpId="0" nodeType="withEffect">
+                                  <p:stCondLst>
+                                    <p:cond delay="750"/>
+                                  </p:stCondLst>
+                                  <p:childTnLst>
+                                    <p:set>
+                                      <p:cBhvr>
+                                        <p:cTn id="9" dur="1" fill="hold">
+                                          <p:stCondLst>
+                                            <p:cond delay="0"/>
+                                          </p:stCondLst>
+                                        </p:cTn>
+                                        <p:tgtEl>
+                                          <p:spTgt spid="4"/>
+                                        </p:tgtEl>
+                                        <p:attrNameLst>
+                                          <p:attrName>style.visibility</p:attrName>
+                                        </p:attrNameLst>
+                                      </p:cBhvr>
+                                      <p:to>
+                                        <p:strVal val="visible"/>
+                                      </p:to>
+                                    </p:set>
+                                    <p:animEffect transition="in" filter="wipe(up)">
+                                      <p:cBhvr>
+                                        <p:cTn id="10" dur="750"/>
+                                        <p:tgtEl>
+                                          <p:spTgt spid="4"/>
+                                        </p:tgtEl>
+                                      </p:cBhvr>
+                                    </p:animEffect>
+                                  </p:childTnLst>
+                                </p:cTn>
+                              </p:par>
+                              <p:par>
+                                <p:cTn id="11" presetID="22" presetClass="entr" presetSubtype="1" fill="hold" grpId="0" nodeType="withEffect">
+                                  <p:stCondLst>
+                                    <p:cond delay="1500"/>
+                                  </p:stCondLst>
+                                  <p:childTnLst>
+                                    <p:set>
+                                      <p:cBhvr>
+                                        <p:cTn id="12" dur="1" fill="hold">
+                                          <p:stCondLst>
+                                            <p:cond delay="0"/>
+                                          </p:stCondLst>
+                                        </p:cTn>
+                                        <p:tgtEl>
+                                          <p:spTgt spid="6"/>
+                                        </p:tgtEl>
+                                        <p:attrNameLst>
+                                          <p:attrName>style.visibility</p:attrName>
+                                        </p:attrNameLst>
+                                      </p:cBhvr>
+                                      <p:to>
+                                        <p:strVal val="visible"/>
+                                      </p:to>
+                                    </p:set>
+                                    <p:animEffect transition="in" filter="wipe(up)">
+                                      <p:cBhvr>
+                                        <p:cTn id="13" dur="750"/>
+                                        <p:tgtEl>
+                                          <p:spTgt spid="6"/>
+                                        </p:tgtEl>
+                                      </p:cBhvr>
+                                    </p:animEffect>
+                                  </p:childTnLst>
+                                </p:cTn>
+                              </p:par>
+                            </p:childTnLst>
+                          </p:cTn>
+                        </p:par>
+                      </p:childTnLst>
+                    </p:cTn>
+                  </p:par>
+                </p:childTnLst>
+              </p:cTn>
+              <p:prevCondLst>
+                <p:cond evt="onPrev" delay="0">
+                  <p:tgtEl>
+                    <p:sldTgt/>
+                  </p:tgtEl>
+                </p:cond>
+              </p:prevCondLst>
+              <p:nextCondLst>
+                <p:cond evt="onNext" delay="0">
+                  <p:tgtEl>
+                    <p:sldTgt/>
+                  </p:tgtEl>
+                </p:cond>
+              </p:nextCondLst>
+            </p:seq>
+          </p:childTnLst>
+        </p:cTn>
+      </p:par>
+    </p:tnLst>
+    <p:bldLst>
+      <p:bldP spid="5" grpId="0"/>
+      <p:bldP spid="4" grpId="0"/>
+      <p:bldP spid="6" grpId="0"/>
+    </p:bldLst>
+  </p:timing>
+</p:sld>
+</file>
+
 <file path=ppt/slides/slide8.xml><?xml version="1.0" encoding="utf-8"?>
+<p:sld xmlns:a="http://schemas.openxmlformats.org/drawingml/2006/main" xmlns:r="http://schemas.openxmlformats.org/officeDocument/2006/relationships" xmlns:p="http://schemas.openxmlformats.org/presentationml/2006/main">
+  <p:cSld>
+    <p:spTree>
+      <p:nvGrpSpPr>
+        <p:cNvPr id="1" name=""/>
+        <p:cNvGrpSpPr/>
+        <p:nvPr/>
+      </p:nvGrpSpPr>
+      <p:grpSpPr>
+        <a:xfrm>
+          <a:off x="0" y="0"/>
+          <a:ext cx="0" cy="0"/>
+          <a:chOff x="0" y="0"/>
+          <a:chExt cx="0" cy="0"/>
+        </a:xfrm>
+      </p:grpSpPr>
+      <p:sp>
+        <p:nvSpPr>
+          <p:cNvPr id="4" name="CasellaDiTesto 3">
+            <a:extLst>
+              <a:ext uri="{FF2B5EF4-FFF2-40B4-BE49-F238E27FC236}">
+                <a16:creationId xmlns:a16="http://schemas.microsoft.com/office/drawing/2014/main" id="{CEDBE00C-0F74-B8E1-0C3F-7EB06E259123}"/>
+              </a:ext>
+            </a:extLst>
+          </p:cNvPr>
+          <p:cNvSpPr txBox="1"/>
+          <p:nvPr/>
+        </p:nvSpPr>
+        <p:spPr>
+          <a:xfrm>
+            <a:off x="4019462" y="277503"/>
+            <a:ext cx="4153076" cy="923330"/>
+          </a:xfrm>
+          <a:prstGeom prst="rect">
+            <a:avLst/>
+          </a:prstGeom>
+          <a:noFill/>
+        </p:spPr>
+        <p:txBody>
+          <a:bodyPr wrap="square">
+            <a:spAutoFit/>
+          </a:bodyPr>
+          <a:lstStyle/>
+          <a:p>
+            <a:r>
+              <a:rPr lang="en-GB" sz="5400" b="1" dirty="0">
+                <a:ln w="22225">
+                  <a:solidFill>
+                    <a:schemeClr val="accent6">
+                      <a:lumMod val="75000"/>
+                    </a:schemeClr>
+                  </a:solidFill>
+                  <a:prstDash val="solid"/>
+                </a:ln>
+                <a:solidFill>
+                  <a:srgbClr val="00B0F0"/>
+                </a:solidFill>
+              </a:rPr>
+              <a:t>Comparison</a:t>
+            </a:r>
+          </a:p>
+        </p:txBody>
+      </p:sp>
+      <p:pic>
+        <p:nvPicPr>
+          <p:cNvPr id="7" name="Immagine 6">
+            <a:extLst>
+              <a:ext uri="{FF2B5EF4-FFF2-40B4-BE49-F238E27FC236}">
+                <a16:creationId xmlns:a16="http://schemas.microsoft.com/office/drawing/2014/main" id="{7E4BAD0B-F68F-8CA6-5894-5A53868C6B0F}"/>
+              </a:ext>
+            </a:extLst>
+          </p:cNvPr>
+          <p:cNvPicPr>
+            <a:picLocks noChangeAspect="1"/>
+          </p:cNvPicPr>
+          <p:nvPr/>
+        </p:nvPicPr>
+        <p:blipFill>
+          <a:blip r:embed="rId2"/>
+          <a:stretch>
+            <a:fillRect/>
+          </a:stretch>
+        </p:blipFill>
+        <p:spPr>
+          <a:xfrm>
+            <a:off x="945422" y="1483318"/>
+            <a:ext cx="10301156" cy="4478212"/>
+          </a:xfrm>
+          <a:prstGeom prst="rect">
+            <a:avLst/>
+          </a:prstGeom>
+        </p:spPr>
+      </p:pic>
+    </p:spTree>
+    <p:extLst>
+      <p:ext uri="{BB962C8B-B14F-4D97-AF65-F5344CB8AC3E}">
+        <p14:creationId xmlns:p14="http://schemas.microsoft.com/office/powerpoint/2010/main" val="3133853099"/>
+      </p:ext>
+    </p:extLst>
+  </p:cSld>
+  <p:clrMapOvr>
+    <a:masterClrMapping/>
+  </p:clrMapOvr>
+  <p:transition spd="slow">
+    <p:push dir="u"/>
+  </p:transition>
+</p:sld>
+</file>
+
+<file path=ppt/slides/slide9.xml><?xml version="1.0" encoding="utf-8"?>
 <p:sld xmlns:a="http://schemas.openxmlformats.org/drawingml/2006/main" xmlns:r="http://schemas.openxmlformats.org/officeDocument/2006/relationships" xmlns:p="http://schemas.openxmlformats.org/presentationml/2006/main">
   <p:cSld>
     <p:spTree>
@@ -11802,116 +11912,6 @@
 </p:sld>
 </file>
 
-<file path=ppt/slides/slide9.xml><?xml version="1.0" encoding="utf-8"?>
-<p:sld xmlns:a="http://schemas.openxmlformats.org/drawingml/2006/main" xmlns:r="http://schemas.openxmlformats.org/officeDocument/2006/relationships" xmlns:p="http://schemas.openxmlformats.org/presentationml/2006/main">
-  <p:cSld>
-    <p:spTree>
-      <p:nvGrpSpPr>
-        <p:cNvPr id="1" name=""/>
-        <p:cNvGrpSpPr/>
-        <p:nvPr/>
-      </p:nvGrpSpPr>
-      <p:grpSpPr>
-        <a:xfrm>
-          <a:off x="0" y="0"/>
-          <a:ext cx="0" cy="0"/>
-          <a:chOff x="0" y="0"/>
-          <a:chExt cx="0" cy="0"/>
-        </a:xfrm>
-      </p:grpSpPr>
-      <p:sp>
-        <p:nvSpPr>
-          <p:cNvPr id="4" name="CasellaDiTesto 3">
-            <a:extLst>
-              <a:ext uri="{FF2B5EF4-FFF2-40B4-BE49-F238E27FC236}">
-                <a16:creationId xmlns:a16="http://schemas.microsoft.com/office/drawing/2014/main" id="{CEDBE00C-0F74-B8E1-0C3F-7EB06E259123}"/>
-              </a:ext>
-            </a:extLst>
-          </p:cNvPr>
-          <p:cNvSpPr txBox="1"/>
-          <p:nvPr/>
-        </p:nvSpPr>
-        <p:spPr>
-          <a:xfrm>
-            <a:off x="1611230" y="313362"/>
-            <a:ext cx="9072282" cy="923330"/>
-          </a:xfrm>
-          <a:prstGeom prst="rect">
-            <a:avLst/>
-          </a:prstGeom>
-          <a:noFill/>
-        </p:spPr>
-        <p:txBody>
-          <a:bodyPr wrap="square">
-            <a:spAutoFit/>
-          </a:bodyPr>
-          <a:lstStyle/>
-          <a:p>
-            <a:r>
-              <a:rPr lang="en-GB" sz="5400" b="1" dirty="0">
-                <a:ln w="22225">
-                  <a:solidFill>
-                    <a:schemeClr val="accent6">
-                      <a:lumMod val="75000"/>
-                    </a:schemeClr>
-                  </a:solidFill>
-                  <a:prstDash val="solid"/>
-                </a:ln>
-                <a:solidFill>
-                  <a:srgbClr val="00B0F0"/>
-                </a:solidFill>
-              </a:rPr>
-              <a:t>Comparison and Conclusion</a:t>
-            </a:r>
-          </a:p>
-        </p:txBody>
-      </p:sp>
-      <p:pic>
-        <p:nvPicPr>
-          <p:cNvPr id="7" name="Immagine 6">
-            <a:extLst>
-              <a:ext uri="{FF2B5EF4-FFF2-40B4-BE49-F238E27FC236}">
-                <a16:creationId xmlns:a16="http://schemas.microsoft.com/office/drawing/2014/main" id="{7E4BAD0B-F68F-8CA6-5894-5A53868C6B0F}"/>
-              </a:ext>
-            </a:extLst>
-          </p:cNvPr>
-          <p:cNvPicPr>
-            <a:picLocks noChangeAspect="1"/>
-          </p:cNvPicPr>
-          <p:nvPr/>
-        </p:nvPicPr>
-        <p:blipFill>
-          <a:blip r:embed="rId2"/>
-          <a:stretch>
-            <a:fillRect/>
-          </a:stretch>
-        </p:blipFill>
-        <p:spPr>
-          <a:xfrm>
-            <a:off x="945422" y="1483318"/>
-            <a:ext cx="10301156" cy="4478212"/>
-          </a:xfrm>
-          <a:prstGeom prst="rect">
-            <a:avLst/>
-          </a:prstGeom>
-        </p:spPr>
-      </p:pic>
-    </p:spTree>
-    <p:extLst>
-      <p:ext uri="{BB962C8B-B14F-4D97-AF65-F5344CB8AC3E}">
-        <p14:creationId xmlns:p14="http://schemas.microsoft.com/office/powerpoint/2010/main" val="3133853099"/>
-      </p:ext>
-    </p:extLst>
-  </p:cSld>
-  <p:clrMapOvr>
-    <a:masterClrMapping/>
-  </p:clrMapOvr>
-  <p:transition spd="slow">
-    <p:push dir="u"/>
-  </p:transition>
-</p:sld>
-</file>
-
 <file path=ppt/theme/theme1.xml><?xml version="1.0" encoding="utf-8"?>
 <a:theme xmlns:a="http://schemas.openxmlformats.org/drawingml/2006/main" name="Facet">
   <a:themeElements>
